--- a/presentation.pptx
+++ b/presentation.pptx
@@ -12,6 +12,9 @@
     <p:sldId id="260" r:id="rId7"/>
     <p:sldId id="261" r:id="rId8"/>
     <p:sldId id="262" r:id="rId9"/>
+    <p:sldId id="263" r:id="rId10"/>
+    <p:sldId id="264" r:id="rId11"/>
+    <p:sldId id="265" r:id="rId12"/>
   </p:sldIdLst>
   <p:sldSz cx="12192000" cy="6858000"/>
   <p:notesSz cx="12192000" cy="6858000"/>
@@ -3361,15 +3364,12 @@
           <a:gsLst>
             <a:gs pos="0">
               <a:schemeClr val="accent1">
-                <a:lumMod val="40000"/>
-                <a:lumOff val="60000"/>
-                <a:alpha val="38000"/>
+                <a:lumMod val="20000"/>
+                <a:lumOff val="80000"/>
               </a:schemeClr>
             </a:gs>
             <a:gs pos="100000">
-              <a:srgbClr val="FFFFFF">
-                <a:alpha val="38000"/>
-              </a:srgbClr>
+              <a:srgbClr val="FFFFFF"/>
             </a:gs>
           </a:gsLst>
           <a:lin ang="13500000" scaled="1"/>
@@ -3494,6 +3494,103 @@
               <a:t>Яндекс Акедемии</a:t>
             </a:r>
             <a:endParaRPr sz="2600" b="0" i="0" u="none">
+              <a:solidFill>
+                <a:srgbClr val="1F1F1F"/>
+              </a:solidFill>
+              <a:latin typeface="Lohit Tamil Classical"/>
+              <a:ea typeface="Lohit Tamil Classical"/>
+              <a:cs typeface="Lohit Tamil Classical"/>
+            </a:endParaRPr>
+          </a:p>
+        </p:txBody>
+      </p:sp>
+    </p:spTree>
+  </p:cSld>
+  <p:clrMapOvr>
+    <a:masterClrMapping/>
+  </p:clrMapOvr>
+  <mc:AlternateContent xmlns:mc="http://schemas.openxmlformats.org/markup-compatibility/2006">
+    <mc:Choice xmlns:p14="http://schemas.microsoft.com/office/powerpoint/2010/main" Requires="p14">
+      <p:transition p14:dur="2000" advClick="1"/>
+    </mc:Choice>
+    <mc:Fallback>
+      <p:transition advClick="1"/>
+    </mc:Fallback>
+  </mc:AlternateContent>
+</p:sld>
+</file>
+
+<file path=ppt/slides/slide10.xml><?xml version="1.0" encoding="utf-8"?>
+<p:sld xmlns:a="http://schemas.openxmlformats.org/drawingml/2006/main" xmlns:r="http://schemas.openxmlformats.org/officeDocument/2006/relationships" xmlns:p="http://schemas.openxmlformats.org/presentationml/2006/main" xmlns:m="http://schemas.openxmlformats.org/officeDocument/2006/math" xmlns:w="http://schemas.openxmlformats.org/wordprocessingml/2006/main" showMasterPhAnim="0" show="1">
+  <p:cSld name="">
+    <p:bg>
+      <p:bgPr shadeToTitle="0">
+        <a:gradFill>
+          <a:gsLst>
+            <a:gs pos="0">
+              <a:schemeClr val="accent1">
+                <a:lumMod val="20000"/>
+                <a:lumOff val="80000"/>
+              </a:schemeClr>
+            </a:gs>
+            <a:gs pos="100000">
+              <a:srgbClr val="FFFFFF"/>
+            </a:gs>
+          </a:gsLst>
+          <a:lin ang="13500000" scaled="1"/>
+        </a:gradFill>
+      </p:bgPr>
+    </p:bg>
+    <p:spTree>
+      <p:nvGrpSpPr>
+        <p:cNvPr id="1" name=""/>
+        <p:cNvGrpSpPr/>
+        <p:nvPr/>
+      </p:nvGrpSpPr>
+      <p:grpSpPr bwMode="auto">
+        <a:xfrm>
+          <a:off x="0" y="0"/>
+          <a:ext cx="0" cy="0"/>
+          <a:chOff x="0" y="0"/>
+          <a:chExt cx="0" cy="0"/>
+        </a:xfrm>
+      </p:grpSpPr>
+      <p:sp>
+        <p:nvSpPr>
+          <p:cNvPr id="1363707122" name=""/>
+          <p:cNvSpPr txBox="1"/>
+          <p:nvPr/>
+        </p:nvSpPr>
+        <p:spPr bwMode="auto">
+          <a:xfrm flipH="0" flipV="0">
+            <a:off x="1105873" y="2457448"/>
+            <a:ext cx="10356748" cy="1097640"/>
+          </a:xfrm>
+          <a:prstGeom prst="rect">
+            <a:avLst/>
+          </a:prstGeom>
+          <a:noFill/>
+        </p:spPr>
+        <p:txBody>
+          <a:bodyPr vertOverflow="overflow" horzOverflow="overflow" vert="horz" wrap="square" lIns="91440" tIns="45720" rIns="91440" bIns="45720" numCol="1" spcCol="0" rtlCol="0" fromWordArt="0" anchor="t" anchorCtr="0" forceAA="0" upright="0" compatLnSpc="0">
+            <a:spAutoFit/>
+          </a:bodyPr>
+          <a:p>
+            <a:pPr algn="ctr">
+              <a:defRPr/>
+            </a:pPr>
+            <a:r>
+              <a:rPr sz="6600" b="0" i="0" u="none">
+                <a:solidFill>
+                  <a:srgbClr val="1F1F1F"/>
+                </a:solidFill>
+                <a:latin typeface="Lohit Tamil Classical"/>
+                <a:ea typeface="Lohit Tamil Classical"/>
+                <a:cs typeface="Lohit Tamil Classical"/>
+              </a:rPr>
+              <a:t>Спасибо за внимание!</a:t>
+            </a:r>
+            <a:endParaRPr sz="6600" b="0" i="0" u="none">
               <a:solidFill>
                 <a:srgbClr val="1F1F1F"/>
               </a:solidFill>
@@ -3529,15 +3626,12 @@
           <a:gsLst>
             <a:gs pos="0">
               <a:schemeClr val="accent1">
-                <a:lumMod val="40000"/>
-                <a:lumOff val="60000"/>
-                <a:alpha val="38000"/>
+                <a:lumMod val="20000"/>
+                <a:lumOff val="80000"/>
               </a:schemeClr>
             </a:gs>
             <a:gs pos="100000">
-              <a:srgbClr val="FFFFFF">
-                <a:alpha val="38000"/>
-              </a:srgbClr>
+              <a:srgbClr val="FFFFFF"/>
             </a:gs>
           </a:gsLst>
           <a:lin ang="13500000" scaled="1"/>
@@ -3560,14 +3654,14 @@
       </p:grpSpPr>
       <p:sp>
         <p:nvSpPr>
-          <p:cNvPr id="598142605" name=""/>
+          <p:cNvPr id="196773780" name=""/>
           <p:cNvSpPr txBox="1"/>
           <p:nvPr/>
         </p:nvSpPr>
         <p:spPr bwMode="auto">
           <a:xfrm flipH="0" flipV="0">
             <a:off x="905848" y="838198"/>
-            <a:ext cx="4582352" cy="1189079"/>
+            <a:ext cx="5427989" cy="823319"/>
           </a:xfrm>
           <a:prstGeom prst="rect">
             <a:avLst/>
@@ -3588,7 +3682,7 @@
                 <a:ea typeface="Lohit Tamil Classical"/>
                 <a:cs typeface="Lohit Tamil Classical"/>
               </a:rPr>
-              <a:t>Наша команда</a:t>
+              <a:t>Описание задачи</a:t>
             </a:r>
             <a:endParaRPr sz="4800">
               <a:latin typeface="Lohit Tamil Classical"/>
@@ -3596,134 +3690,147 @@
               <a:cs typeface="Lohit Tamil Classical"/>
             </a:endParaRPr>
           </a:p>
-          <a:p>
-            <a:pPr>
-              <a:defRPr/>
-            </a:pPr>
-            <a:r>
-              <a:rPr sz="2400">
+        </p:txBody>
+      </p:sp>
+      <p:sp>
+        <p:nvSpPr>
+          <p:cNvPr id="1461083796" name=""/>
+          <p:cNvSpPr txBox="1"/>
+          <p:nvPr/>
+        </p:nvSpPr>
+        <p:spPr bwMode="auto">
+          <a:xfrm flipH="0" flipV="0">
+            <a:off x="905848" y="2158184"/>
+            <a:ext cx="7792890" cy="2019658"/>
+          </a:xfrm>
+          <a:prstGeom prst="rect">
+            <a:avLst/>
+          </a:prstGeom>
+          <a:noFill/>
+        </p:spPr>
+        <p:txBody>
+          <a:bodyPr vertOverflow="overflow" horzOverflow="overflow" vert="horz" wrap="square" lIns="91440" tIns="45720" rIns="91440" bIns="45720" numCol="1" spcCol="0" rtlCol="0" fromWordArt="0" anchor="t" anchorCtr="0" forceAA="0" upright="0" compatLnSpc="0">
+            <a:spAutoFit/>
+          </a:bodyPr>
+          <a:p>
+            <a:pPr marL="283879" indent="-283879">
+              <a:lnSpc>
+                <a:spcPct val="114999"/>
+              </a:lnSpc>
+              <a:buFont typeface="Arial"/>
+              <a:buChar char="•"/>
+              <a:defRPr/>
+            </a:pPr>
+            <a:r>
+              <a:rPr sz="2200" b="0" i="0" u="none">
+                <a:solidFill>
+                  <a:srgbClr val="1F1F1F"/>
+                </a:solidFill>
                 <a:latin typeface="Lohit Tamil Classical"/>
                 <a:ea typeface="Lohit Tamil Classical"/>
                 <a:cs typeface="Lohit Tamil Classical"/>
               </a:rPr>
-              <a:t>Группа 14</a:t>
-            </a:r>
-            <a:endParaRPr sz="2400">
+              <a:t>Провести исследовательский анализ данных (EDA)</a:t>
+            </a:r>
+            <a:endParaRPr sz="2200">
               <a:latin typeface="Lohit Tamil Classical"/>
               <a:cs typeface="Lohit Tamil Classical"/>
             </a:endParaRPr>
           </a:p>
-        </p:txBody>
-      </p:sp>
-      <p:sp>
-        <p:nvSpPr>
-          <p:cNvPr id="1671083727" name=""/>
-          <p:cNvSpPr txBox="1"/>
-          <p:nvPr/>
-        </p:nvSpPr>
-        <p:spPr bwMode="auto">
-          <a:xfrm flipH="0" flipV="0">
-            <a:off x="905848" y="2539184"/>
-            <a:ext cx="2883997" cy="427079"/>
-          </a:xfrm>
-          <a:prstGeom prst="rect">
-            <a:avLst/>
-          </a:prstGeom>
-          <a:noFill/>
-        </p:spPr>
-        <p:txBody>
-          <a:bodyPr vertOverflow="overflow" horzOverflow="overflow" vert="horz" wrap="none" lIns="91440" tIns="45720" rIns="91440" bIns="45720" numCol="1" spcCol="0" rtlCol="0" fromWordArt="0" anchor="t" anchorCtr="0" forceAA="0" upright="0" compatLnSpc="0">
-            <a:spAutoFit/>
-          </a:bodyPr>
-          <a:p>
-            <a:pPr>
-              <a:defRPr/>
-            </a:pPr>
-            <a:r>
-              <a:rPr sz="2200">
+          <a:p>
+            <a:pPr marL="283879" indent="-283879">
+              <a:lnSpc>
+                <a:spcPct val="114999"/>
+              </a:lnSpc>
+              <a:buFont typeface="Arial"/>
+              <a:buChar char="•"/>
+              <a:defRPr/>
+            </a:pPr>
+            <a:r>
+              <a:rPr sz="2200" b="0" i="0" u="none">
+                <a:solidFill>
+                  <a:srgbClr val="1F1F1F"/>
+                </a:solidFill>
                 <a:latin typeface="Lohit Tamil Classical"/>
                 <a:ea typeface="Lohit Tamil Classical"/>
                 <a:cs typeface="Lohit Tamil Classical"/>
               </a:rPr>
-              <a:t>Мещерякова Алина</a:t>
+              <a:t>Создать расчёты</a:t>
             </a:r>
             <a:endParaRPr sz="2200">
               <a:latin typeface="Lohit Tamil Classical"/>
               <a:cs typeface="Lohit Tamil Classical"/>
             </a:endParaRPr>
           </a:p>
-        </p:txBody>
-      </p:sp>
-      <p:sp>
-        <p:nvSpPr>
-          <p:cNvPr id="488076601" name=""/>
-          <p:cNvSpPr txBox="1"/>
-          <p:nvPr/>
-        </p:nvSpPr>
-        <p:spPr bwMode="auto">
-          <a:xfrm flipH="0" flipV="0">
-            <a:off x="905848" y="3869595"/>
-            <a:ext cx="2648670" cy="427079"/>
-          </a:xfrm>
-          <a:prstGeom prst="rect">
-            <a:avLst/>
-          </a:prstGeom>
-          <a:noFill/>
-        </p:spPr>
-        <p:txBody>
-          <a:bodyPr vertOverflow="overflow" horzOverflow="overflow" vert="horz" wrap="square" lIns="91440" tIns="45720" rIns="91440" bIns="45720" numCol="1" spcCol="0" rtlCol="0" fromWordArt="0" anchor="t" anchorCtr="0" forceAA="0" upright="0" compatLnSpc="0">
-            <a:spAutoFit/>
-          </a:bodyPr>
-          <a:p>
-            <a:pPr>
-              <a:defRPr/>
-            </a:pPr>
-            <a:r>
-              <a:rPr sz="2200">
+          <a:p>
+            <a:pPr marL="283879" indent="-283879">
+              <a:lnSpc>
+                <a:spcPct val="114999"/>
+              </a:lnSpc>
+              <a:buFont typeface="Arial"/>
+              <a:buChar char="•"/>
+              <a:defRPr/>
+            </a:pPr>
+            <a:r>
+              <a:rPr sz="2200" b="0" i="0" u="none">
+                <a:solidFill>
+                  <a:srgbClr val="1F1F1F"/>
+                </a:solidFill>
                 <a:latin typeface="Lohit Tamil Classical"/>
                 <a:ea typeface="Lohit Tamil Classical"/>
                 <a:cs typeface="Lohit Tamil Classical"/>
               </a:rPr>
-              <a:t>Чистяков Кирилл</a:t>
+              <a:t>Выполнить проверку гипотез</a:t>
             </a:r>
             <a:endParaRPr sz="2200">
               <a:latin typeface="Lohit Tamil Classical"/>
               <a:cs typeface="Lohit Tamil Classical"/>
             </a:endParaRPr>
           </a:p>
-        </p:txBody>
-      </p:sp>
-      <p:sp>
-        <p:nvSpPr>
-          <p:cNvPr id="1915385428" name=""/>
-          <p:cNvSpPr txBox="1"/>
-          <p:nvPr/>
-        </p:nvSpPr>
-        <p:spPr bwMode="auto">
-          <a:xfrm flipH="0" flipV="0">
-            <a:off x="906568" y="3204389"/>
-            <a:ext cx="2390775" cy="427079"/>
-          </a:xfrm>
-          <a:prstGeom prst="rect">
-            <a:avLst/>
-          </a:prstGeom>
-          <a:noFill/>
-        </p:spPr>
-        <p:txBody>
-          <a:bodyPr vertOverflow="overflow" horzOverflow="overflow" vert="horz" wrap="square" lIns="91440" tIns="45720" rIns="91440" bIns="45720" numCol="1" spcCol="0" rtlCol="0" fromWordArt="0" anchor="t" anchorCtr="0" forceAA="0" upright="0" compatLnSpc="0">
-            <a:spAutoFit/>
-          </a:bodyPr>
-          <a:p>
-            <a:pPr>
-              <a:defRPr/>
-            </a:pPr>
-            <a:r>
-              <a:rPr sz="2200">
+          <a:p>
+            <a:pPr marL="283879" indent="-283879">
+              <a:lnSpc>
+                <a:spcPct val="114999"/>
+              </a:lnSpc>
+              <a:buFont typeface="Arial"/>
+              <a:buChar char="•"/>
+              <a:defRPr/>
+            </a:pPr>
+            <a:r>
+              <a:rPr sz="2200" b="0" i="0" u="none">
+                <a:solidFill>
+                  <a:srgbClr val="1F1F1F"/>
+                </a:solidFill>
                 <a:latin typeface="Lohit Tamil Classical"/>
                 <a:ea typeface="Lohit Tamil Classical"/>
                 <a:cs typeface="Lohit Tamil Classical"/>
               </a:rPr>
-              <a:t>Поливанов Лев</a:t>
+              <a:t>Выполнить регрессионное моделирование</a:t>
+            </a:r>
+            <a:endParaRPr sz="2200">
+              <a:latin typeface="Lohit Tamil Classical"/>
+              <a:cs typeface="Lohit Tamil Classical"/>
+            </a:endParaRPr>
+          </a:p>
+          <a:p>
+            <a:pPr marL="283879" indent="-283879">
+              <a:lnSpc>
+                <a:spcPct val="114999"/>
+              </a:lnSpc>
+              <a:buFont typeface="Arial"/>
+              <a:buChar char="•"/>
+              <a:defRPr/>
+            </a:pPr>
+            <a:r>
+              <a:rPr sz="2200" b="0" i="0" u="none">
+                <a:solidFill>
+                  <a:srgbClr val="1F1F1F"/>
+                </a:solidFill>
+                <a:latin typeface="Lohit Tamil Classical"/>
+                <a:ea typeface="Lohit Tamil Classical"/>
+                <a:cs typeface="Lohit Tamil Classical"/>
+              </a:rPr>
+              <a:t>Создать дашборд по результатам работы</a:t>
             </a:r>
             <a:endParaRPr sz="2200">
               <a:latin typeface="Lohit Tamil Classical"/>
@@ -3757,15 +3864,12 @@
           <a:gsLst>
             <a:gs pos="0">
               <a:schemeClr val="accent1">
-                <a:lumMod val="40000"/>
-                <a:lumOff val="60000"/>
-                <a:alpha val="38000"/>
+                <a:lumMod val="20000"/>
+                <a:lumOff val="80000"/>
               </a:schemeClr>
             </a:gs>
             <a:gs pos="100000">
-              <a:srgbClr val="FFFFFF">
-                <a:alpha val="38000"/>
-              </a:srgbClr>
+              <a:srgbClr val="FFFFFF"/>
             </a:gs>
           </a:gsLst>
           <a:lin ang="13500000" scaled="1"/>
@@ -3788,14 +3892,14 @@
       </p:grpSpPr>
       <p:sp>
         <p:nvSpPr>
-          <p:cNvPr id="196773780" name=""/>
+          <p:cNvPr id="1306958715" name=""/>
           <p:cNvSpPr txBox="1"/>
           <p:nvPr/>
         </p:nvSpPr>
         <p:spPr bwMode="auto">
           <a:xfrm flipH="0" flipV="0">
             <a:off x="905848" y="838198"/>
-            <a:ext cx="5427989" cy="823319"/>
+            <a:ext cx="1352788" cy="823319"/>
           </a:xfrm>
           <a:prstGeom prst="rect">
             <a:avLst/>
@@ -3816,7 +3920,7 @@
                 <a:ea typeface="Lohit Tamil Classical"/>
                 <a:cs typeface="Lohit Tamil Classical"/>
               </a:rPr>
-              <a:t>Описание задачи</a:t>
+              <a:t>EDA</a:t>
             </a:r>
             <a:endParaRPr sz="4800">
               <a:latin typeface="Lohit Tamil Classical"/>
@@ -3828,14 +3932,14 @@
       </p:sp>
       <p:sp>
         <p:nvSpPr>
-          <p:cNvPr id="1461083796" name=""/>
+          <p:cNvPr id="956771027" name=""/>
           <p:cNvSpPr txBox="1"/>
           <p:nvPr/>
         </p:nvSpPr>
         <p:spPr bwMode="auto">
           <a:xfrm flipH="0" flipV="0">
             <a:off x="905848" y="2158184"/>
-            <a:ext cx="7792890" cy="2019659"/>
+            <a:ext cx="9020895" cy="2019658"/>
           </a:xfrm>
           <a:prstGeom prst="rect">
             <a:avLst/>
@@ -3864,7 +3968,7 @@
                 <a:ea typeface="Lohit Tamil Classical"/>
                 <a:cs typeface="Lohit Tamil Classical"/>
               </a:rPr>
-              <a:t>Провести исследовательский анализ данных (EDA)</a:t>
+              <a:t>Не учитывали дни, когда измерения не проводились</a:t>
             </a:r>
             <a:endParaRPr sz="2200">
               <a:latin typeface="Lohit Tamil Classical"/>
@@ -3889,7 +3993,7 @@
                 <a:ea typeface="Lohit Tamil Classical"/>
                 <a:cs typeface="Lohit Tamil Classical"/>
               </a:rPr>
-              <a:t>Создать расчёты</a:t>
+              <a:t>Привели номер смены к целочисленному типу</a:t>
             </a:r>
             <a:endParaRPr sz="2200">
               <a:latin typeface="Lohit Tamil Classical"/>
@@ -3914,7 +4018,7 @@
                 <a:ea typeface="Lohit Tamil Classical"/>
                 <a:cs typeface="Lohit Tamil Classical"/>
               </a:rPr>
-              <a:t>Выполнить проверку гипотез</a:t>
+              <a:t>Создали новые колонки дня и месяца для более удобной работы с датами</a:t>
             </a:r>
             <a:endParaRPr sz="2200">
               <a:latin typeface="Lohit Tamil Classical"/>
@@ -3931,40 +4035,12 @@
               <a:defRPr/>
             </a:pPr>
             <a:r>
-              <a:rPr sz="2200" b="0" i="0" u="none">
-                <a:solidFill>
-                  <a:srgbClr val="1F1F1F"/>
-                </a:solidFill>
+              <a:rPr sz="2200">
                 <a:latin typeface="Lohit Tamil Classical"/>
                 <a:ea typeface="Lohit Tamil Classical"/>
                 <a:cs typeface="Lohit Tamil Classical"/>
               </a:rPr>
-              <a:t>Выполнить регрессионное моделирование</a:t>
-            </a:r>
-            <a:endParaRPr sz="2200">
-              <a:latin typeface="Lohit Tamil Classical"/>
-              <a:cs typeface="Lohit Tamil Classical"/>
-            </a:endParaRPr>
-          </a:p>
-          <a:p>
-            <a:pPr marL="283879" indent="-283879">
-              <a:lnSpc>
-                <a:spcPct val="114999"/>
-              </a:lnSpc>
-              <a:buFont typeface="Arial"/>
-              <a:buChar char="•"/>
-              <a:defRPr/>
-            </a:pPr>
-            <a:r>
-              <a:rPr sz="2200" b="0" i="0" u="none">
-                <a:solidFill>
-                  <a:srgbClr val="1F1F1F"/>
-                </a:solidFill>
-                <a:latin typeface="Lohit Tamil Classical"/>
-                <a:ea typeface="Lohit Tamil Classical"/>
-                <a:cs typeface="Lohit Tamil Classical"/>
-              </a:rPr>
-              <a:t>Создать дашборд по результатам работы</a:t>
+              <a:t>Случайные единичные пропуски заполнили интерполяцией</a:t>
             </a:r>
             <a:endParaRPr sz="2200">
               <a:latin typeface="Lohit Tamil Classical"/>
@@ -3998,15 +4074,12 @@
           <a:gsLst>
             <a:gs pos="0">
               <a:schemeClr val="accent1">
-                <a:lumMod val="40000"/>
-                <a:lumOff val="60000"/>
-                <a:alpha val="38000"/>
+                <a:lumMod val="20000"/>
+                <a:lumOff val="80000"/>
               </a:schemeClr>
             </a:gs>
             <a:gs pos="100000">
-              <a:srgbClr val="FFFFFF">
-                <a:alpha val="38000"/>
-              </a:srgbClr>
+              <a:srgbClr val="FFFFFF"/>
             </a:gs>
           </a:gsLst>
           <a:lin ang="13500000" scaled="1"/>
@@ -4029,14 +4102,14 @@
       </p:grpSpPr>
       <p:sp>
         <p:nvSpPr>
-          <p:cNvPr id="1306958715" name=""/>
+          <p:cNvPr id="1141094395" name=""/>
           <p:cNvSpPr txBox="1"/>
           <p:nvPr/>
         </p:nvSpPr>
         <p:spPr bwMode="auto">
           <a:xfrm flipH="0" flipV="0">
             <a:off x="905848" y="838198"/>
-            <a:ext cx="1352788" cy="823319"/>
+            <a:ext cx="2646402" cy="823319"/>
           </a:xfrm>
           <a:prstGeom prst="rect">
             <a:avLst/>
@@ -4057,7 +4130,7 @@
                 <a:ea typeface="Lohit Tamil Classical"/>
                 <a:cs typeface="Lohit Tamil Classical"/>
               </a:rPr>
-              <a:t>EDA</a:t>
+              <a:t>Расчёты</a:t>
             </a:r>
             <a:endParaRPr sz="4800">
               <a:latin typeface="Lohit Tamil Classical"/>
@@ -4069,14 +4142,14 @@
       </p:sp>
       <p:sp>
         <p:nvSpPr>
-          <p:cNvPr id="956771027" name=""/>
+          <p:cNvPr id="370998962" name=""/>
           <p:cNvSpPr txBox="1"/>
           <p:nvPr/>
         </p:nvSpPr>
         <p:spPr bwMode="auto">
           <a:xfrm flipH="0" flipV="0">
-            <a:off x="905848" y="2158184"/>
-            <a:ext cx="9020895" cy="2019659"/>
+            <a:off x="905847" y="2158183"/>
+            <a:ext cx="9014039" cy="2790780"/>
           </a:xfrm>
           <a:prstGeom prst="rect">
             <a:avLst/>
@@ -4096,6 +4169,64 @@
               <a:buChar char="•"/>
               <a:defRPr/>
             </a:pPr>
+            <a:r>
+              <a:rPr sz="2200">
+                <a:latin typeface="Lohit Tamil Classical"/>
+                <a:ea typeface="Lohit Tamil Classical"/>
+                <a:cs typeface="Lohit Tamil Classical"/>
+              </a:rPr>
+              <a:t>Выделили категорию </a:t>
+            </a:r>
+            <a:r>
+              <a:rPr lang="ru-RU" sz="2200" b="0" i="0" u="none" strike="noStrike" cap="none" spc="0">
+                <a:solidFill>
+                  <a:srgbClr val="000000"/>
+                </a:solidFill>
+                <a:latin typeface="Lohit Tamil Classical"/>
+                <a:ea typeface="Lohit Tamil Classical"/>
+                <a:cs typeface="Lohit Tamil Classical"/>
+              </a:rPr>
+              <a:t>опасности вредного газа</a:t>
+            </a:r>
+            <a:r>
+              <a:rPr sz="2200">
+                <a:latin typeface="Lohit Tamil Classical"/>
+                <a:ea typeface="Lohit Tamil Classical"/>
+                <a:cs typeface="Lohit Tamil Classical"/>
+              </a:rPr>
+              <a:t>: 1 - меньше 5%, 2 - от 5% до 16%, 3 - больше 16%</a:t>
+            </a:r>
+            <a:endParaRPr sz="2200">
+              <a:latin typeface="Lohit Tamil Classical"/>
+              <a:ea typeface="Lohit Tamil Classical"/>
+              <a:cs typeface="Lohit Tamil Classical"/>
+            </a:endParaRPr>
+          </a:p>
+          <a:p>
+            <a:pPr marL="283879" indent="-283879">
+              <a:lnSpc>
+                <a:spcPct val="114999"/>
+              </a:lnSpc>
+              <a:buFont typeface="Arial"/>
+              <a:buChar char="•"/>
+              <a:defRPr/>
+            </a:pPr>
+            <a:r>
+              <a:rPr sz="2200">
+                <a:latin typeface="Lohit Tamil Classical"/>
+                <a:ea typeface="Lohit Tamil Classical"/>
+                <a:cs typeface="Lohit Tamil Classical"/>
+              </a:rPr>
+              <a:t>Есть дни, ко</a:t>
+            </a:r>
+            <a:r>
+              <a:rPr sz="2200">
+                <a:latin typeface="Lohit Tamil Classical"/>
+                <a:ea typeface="Lohit Tamil Classical"/>
+                <a:cs typeface="Lohit Tamil Classical"/>
+              </a:rPr>
+              <a:t>гда ресурсов тратится больше, например          </a:t>
+            </a:r>
             <a:r>
               <a:rPr sz="2200" b="0" i="0" u="none">
                 <a:solidFill>
@@ -4105,10 +4236,19 @@
                 <a:ea typeface="Lohit Tamil Classical"/>
                 <a:cs typeface="Lohit Tamil Classical"/>
               </a:rPr>
-              <a:t>Не учитывали дни, когда измерения не проводились</a:t>
+              <a:t>     6-7 февраля 2021</a:t>
+            </a:r>
+            <a:r>
+              <a:rPr sz="2200">
+                <a:latin typeface="Lohit Tamil Classical"/>
+                <a:ea typeface="Lohit Tamil Classical"/>
+                <a:cs typeface="Lohit Tamil Classical"/>
+              </a:rPr>
+              <a:t> года</a:t>
             </a:r>
             <a:endParaRPr sz="2200">
               <a:latin typeface="Lohit Tamil Classical"/>
+              <a:ea typeface="Lohit Tamil Classical"/>
               <a:cs typeface="Lohit Tamil Classical"/>
             </a:endParaRPr>
           </a:p>
@@ -4121,6 +4261,22 @@
               <a:buChar char="•"/>
               <a:defRPr/>
             </a:pPr>
+            <a:r>
+              <a:rPr sz="2200">
+                <a:latin typeface="Lohit Tamil Classical"/>
+                <a:ea typeface="Lohit Tamil Classical"/>
+                <a:cs typeface="Lohit Tamil Classical"/>
+              </a:rPr>
+              <a:t>Почти каждый месяц категория опасности вредного газа в среднем равна 3 (больше 16%), за исключение</a:t>
+            </a:r>
+            <a:r>
+              <a:rPr sz="2200">
+                <a:latin typeface="Lohit Tamil Classical"/>
+                <a:ea typeface="Lohit Tamil Classical"/>
+                <a:cs typeface="Lohit Tamil Classical"/>
+              </a:rPr>
+              <a:t>м </a:t>
+            </a:r>
             <a:r>
               <a:rPr sz="2200" b="0" i="0" u="none">
                 <a:solidFill>
@@ -4130,54 +4286,15 @@
                 <a:ea typeface="Lohit Tamil Classical"/>
                 <a:cs typeface="Lohit Tamil Classical"/>
               </a:rPr>
-              <a:t>Привели номер смены к целочисленному типу</a:t>
-            </a:r>
-            <a:endParaRPr sz="2200">
-              <a:latin typeface="Lohit Tamil Classical"/>
-              <a:cs typeface="Lohit Tamil Classical"/>
-            </a:endParaRPr>
-          </a:p>
-          <a:p>
-            <a:pPr marL="283879" indent="-283879">
-              <a:lnSpc>
-                <a:spcPct val="114999"/>
-              </a:lnSpc>
-              <a:buFont typeface="Arial"/>
-              <a:buChar char="•"/>
-              <a:defRPr/>
-            </a:pPr>
-            <a:r>
-              <a:rPr sz="2200" b="0" i="0" u="none">
-                <a:solidFill>
-                  <a:srgbClr val="1F1F1F"/>
-                </a:solidFill>
-                <a:latin typeface="Lohit Tamil Classical"/>
-                <a:ea typeface="Lohit Tamil Classical"/>
-                <a:cs typeface="Lohit Tamil Classical"/>
-              </a:rPr>
-              <a:t>Создали новые колонки дня и месяца для более удобной работы с датами</a:t>
-            </a:r>
-            <a:endParaRPr sz="2200">
-              <a:latin typeface="Lohit Tamil Classical"/>
-              <a:cs typeface="Lohit Tamil Classical"/>
-            </a:endParaRPr>
-          </a:p>
-          <a:p>
-            <a:pPr marL="283879" indent="-283879">
-              <a:lnSpc>
-                <a:spcPct val="114999"/>
-              </a:lnSpc>
-              <a:buFont typeface="Arial"/>
-              <a:buChar char="•"/>
-              <a:defRPr/>
-            </a:pPr>
+              <a:t>сентября-ноября 2022</a:t>
+            </a:r>
             <a:r>
               <a:rPr sz="2200">
                 <a:latin typeface="Lohit Tamil Classical"/>
                 <a:ea typeface="Lohit Tamil Classical"/>
                 <a:cs typeface="Lohit Tamil Classical"/>
               </a:rPr>
-              <a:t>Случайные единичные пропуски заполнили интерполяцией</a:t>
+              <a:t> года (2 категория)</a:t>
             </a:r>
             <a:endParaRPr sz="2200">
               <a:latin typeface="Lohit Tamil Classical"/>
@@ -4211,15 +4328,12 @@
           <a:gsLst>
             <a:gs pos="0">
               <a:schemeClr val="accent1">
-                <a:lumMod val="40000"/>
-                <a:lumOff val="60000"/>
-                <a:alpha val="38000"/>
+                <a:lumMod val="20000"/>
+                <a:lumOff val="80000"/>
               </a:schemeClr>
             </a:gs>
             <a:gs pos="100000">
-              <a:srgbClr val="FFFFFF">
-                <a:alpha val="38000"/>
-              </a:srgbClr>
+              <a:srgbClr val="FFFFFF"/>
             </a:gs>
           </a:gsLst>
           <a:lin ang="13500000" scaled="1"/>
@@ -4242,7 +4356,7 @@
       </p:grpSpPr>
       <p:sp>
         <p:nvSpPr>
-          <p:cNvPr id="1141094395" name=""/>
+          <p:cNvPr id="846231353" name=""/>
           <p:cNvSpPr txBox="1"/>
           <p:nvPr/>
         </p:nvSpPr>
@@ -4282,14 +4396,14 @@
       </p:sp>
       <p:sp>
         <p:nvSpPr>
-          <p:cNvPr id="370998962" name=""/>
+          <p:cNvPr id="336192333" name=""/>
           <p:cNvSpPr txBox="1"/>
           <p:nvPr/>
         </p:nvSpPr>
         <p:spPr bwMode="auto">
           <a:xfrm flipH="0" flipV="0">
             <a:off x="905848" y="2158184"/>
-            <a:ext cx="9012240" cy="2790803"/>
+            <a:ext cx="9065880" cy="2557610"/>
           </a:xfrm>
           <a:prstGeom prst="rect">
             <a:avLst/>
@@ -4301,7 +4415,7 @@
             <a:spAutoFit/>
           </a:bodyPr>
           <a:p>
-            <a:pPr marL="283879" indent="-283879">
+            <a:pPr marL="283878" indent="-283878">
               <a:lnSpc>
                 <a:spcPct val="114999"/>
               </a:lnSpc>
@@ -4309,14 +4423,6 @@
               <a:buChar char="•"/>
               <a:defRPr/>
             </a:pPr>
-            <a:r>
-              <a:rPr sz="2200">
-                <a:latin typeface="Lohit Tamil Classical"/>
-                <a:ea typeface="Lohit Tamil Classical"/>
-                <a:cs typeface="Lohit Tamil Classical"/>
-              </a:rPr>
-              <a:t>Выделили категорию </a:t>
-            </a:r>
             <a:r>
               <a:rPr lang="ru-RU" sz="2200" b="0" i="0" u="none" strike="noStrike" cap="none" spc="0">
                 <a:solidFill>
@@ -4326,120 +4432,87 @@
                 <a:ea typeface="Lohit Tamil Classical"/>
                 <a:cs typeface="Lohit Tamil Classical"/>
               </a:rPr>
-              <a:t>опасности вредного газа</a:t>
-            </a:r>
-            <a:r>
-              <a:rPr sz="2200">
-                <a:latin typeface="Lohit Tamil Classical"/>
-                <a:ea typeface="Lohit Tamil Classical"/>
-                <a:cs typeface="Lohit Tamil Classical"/>
-              </a:rPr>
-              <a:t>: 1 - меньше 5%, 2 - от 5% до 16%, 3 - больше 16%</a:t>
-            </a:r>
-            <a:endParaRPr sz="2200">
-              <a:latin typeface="Lohit Tamil Classical"/>
-              <a:ea typeface="Lohit Tamil Classical"/>
-              <a:cs typeface="Lohit Tamil Classical"/>
-            </a:endParaRPr>
-          </a:p>
-          <a:p>
-            <a:pPr marL="283879" indent="-283879">
-              <a:lnSpc>
-                <a:spcPct val="114999"/>
-              </a:lnSpc>
-              <a:buFont typeface="Arial"/>
-              <a:buChar char="•"/>
-              <a:defRPr/>
-            </a:pPr>
-            <a:r>
-              <a:rPr sz="2200">
-                <a:latin typeface="Lohit Tamil Classical"/>
-                <a:ea typeface="Lohit Tamil Classical"/>
-                <a:cs typeface="Lohit Tamil Classical"/>
-              </a:rPr>
-              <a:t>Есть дни, ко</a:t>
-            </a:r>
-            <a:r>
-              <a:rPr sz="2200">
-                <a:latin typeface="Lohit Tamil Classical"/>
-                <a:ea typeface="Lohit Tamil Classical"/>
-                <a:cs typeface="Lohit Tamil Classical"/>
-              </a:rPr>
-              <a:t>гда ресурсов тратится больше, например          </a:t>
-            </a:r>
-            <a:r>
-              <a:rPr sz="2200" b="0" i="0" u="none">
+              <a:t>Изучили, как меняются средние значения входных и выходных параметров в зависимости от </a:t>
+            </a:r>
+            <a:r>
+              <a:rPr lang="ru-RU" sz="2200" b="0" i="0" u="none" strike="noStrike" cap="none" spc="0">
                 <a:solidFill>
-                  <a:srgbClr val="1F1F1F"/>
+                  <a:srgbClr val="000000"/>
                 </a:solidFill>
                 <a:latin typeface="Lohit Tamil Classical"/>
                 <a:ea typeface="Lohit Tamil Classical"/>
                 <a:cs typeface="Lohit Tamil Classical"/>
               </a:rPr>
-              <a:t>6-7 февраля 2021</a:t>
-            </a:r>
-            <a:r>
-              <a:rPr sz="2200">
-                <a:latin typeface="Lohit Tamil Classical"/>
-                <a:ea typeface="Lohit Tamil Classical"/>
-                <a:cs typeface="Lohit Tamil Classical"/>
-              </a:rPr>
-              <a:t> года</a:t>
-            </a:r>
-            <a:endParaRPr sz="2200">
-              <a:latin typeface="Lohit Tamil Classical"/>
-              <a:ea typeface="Lohit Tamil Classical"/>
-              <a:cs typeface="Lohit Tamil Classical"/>
-            </a:endParaRPr>
-          </a:p>
-          <a:p>
-            <a:pPr marL="283879" indent="-283879">
-              <a:lnSpc>
-                <a:spcPct val="114999"/>
-              </a:lnSpc>
-              <a:buFont typeface="Arial"/>
-              <a:buChar char="•"/>
-              <a:defRPr/>
-            </a:pPr>
-            <a:r>
-              <a:rPr sz="2200">
-                <a:latin typeface="Lohit Tamil Classical"/>
-                <a:ea typeface="Lohit Tamil Classical"/>
-                <a:cs typeface="Lohit Tamil Classical"/>
-              </a:rPr>
-              <a:t>Почти каждый месяц категория опасности вредного газа в среднем равна 3 (больше 16%), за исключение</a:t>
-            </a:r>
-            <a:r>
-              <a:rPr sz="2200">
-                <a:latin typeface="Lohit Tamil Classical"/>
-                <a:ea typeface="Lohit Tamil Classical"/>
-                <a:cs typeface="Lohit Tamil Classical"/>
-              </a:rPr>
-              <a:t>м </a:t>
-            </a:r>
-            <a:r>
-              <a:rPr sz="2200" b="0" i="0" u="none">
+              <a:t>категории </a:t>
+            </a:r>
+            <a:r>
+              <a:rPr lang="ru-RU" sz="2200" b="0" i="0" u="none" strike="noStrike" cap="none" spc="0">
                 <a:solidFill>
-                  <a:srgbClr val="1F1F1F"/>
+                  <a:srgbClr val="000000"/>
                 </a:solidFill>
                 <a:latin typeface="Lohit Tamil Classical"/>
                 <a:ea typeface="Lohit Tamil Classical"/>
                 <a:cs typeface="Lohit Tamil Classical"/>
               </a:rPr>
-              <a:t>сентября-ноября 2022</a:t>
-            </a:r>
-            <a:r>
-              <a:rPr sz="2200">
+              <a:t>опасности вредного газа</a:t>
+            </a:r>
+            <a:r>
+              <a:rPr lang="ru-RU" sz="2200" b="0" i="0" u="none" strike="noStrike" cap="none" spc="0">
+                <a:solidFill>
+                  <a:srgbClr val="000000"/>
+                </a:solidFill>
                 <a:latin typeface="Lohit Tamil Classical"/>
                 <a:ea typeface="Lohit Tamil Classical"/>
                 <a:cs typeface="Lohit Tamil Classical"/>
               </a:rPr>
-              <a:t> года (2 категория)</a:t>
+              <a:t> (графики см. в дашборде)</a:t>
             </a:r>
             <a:endParaRPr sz="2200">
               <a:latin typeface="Lohit Tamil Classical"/>
               <a:cs typeface="Lohit Tamil Classical"/>
             </a:endParaRPr>
+          </a:p>
+          <a:p>
+            <a:pPr marL="283878" indent="-283878">
+              <a:lnSpc>
+                <a:spcPct val="114999"/>
+              </a:lnSpc>
+              <a:buFont typeface="Arial"/>
+              <a:buChar char="•"/>
+              <a:defRPr/>
+            </a:pPr>
+            <a:r>
+              <a:rPr lang="ru-RU" sz="2200" b="0" i="0" u="none" strike="noStrike" cap="none" spc="0">
+                <a:solidFill>
+                  <a:srgbClr val="000000"/>
+                </a:solidFill>
+                <a:latin typeface="Lohit Tamil Classical"/>
+                <a:ea typeface="Lohit Tamil Classical"/>
+                <a:cs typeface="Lohit Tamil Classical"/>
+              </a:rPr>
+              <a:t>Провели корреляционный анализ</a:t>
+            </a:r>
+            <a:r>
+              <a:rPr lang="ru-RU" sz="2200" b="0" i="0" u="none" strike="noStrike" cap="none" spc="0">
+                <a:solidFill>
+                  <a:srgbClr val="000000"/>
+                </a:solidFill>
+                <a:latin typeface="Lohit Tamil Classical"/>
+                <a:ea typeface="Lohit Tamil Classical"/>
+                <a:cs typeface="Lohit Tamil Classical"/>
+              </a:rPr>
+              <a:t> и отдельно выделили факторы, влияющие на процент сухого остатка и массу готового продукта</a:t>
+            </a:r>
+            <a:endParaRPr sz="2200">
+              <a:latin typeface="Lohit Tamil Classical"/>
+              <a:cs typeface="Lohit Tamil Classical"/>
+            </a:endParaRPr>
+          </a:p>
+          <a:p>
+            <a:pPr>
+              <a:defRPr/>
+            </a:pPr>
+            <a:endParaRPr/>
           </a:p>
         </p:txBody>
       </p:sp>
@@ -4468,15 +4541,12 @@
           <a:gsLst>
             <a:gs pos="0">
               <a:schemeClr val="accent1">
-                <a:lumMod val="40000"/>
-                <a:lumOff val="60000"/>
-                <a:alpha val="38000"/>
+                <a:lumMod val="20000"/>
+                <a:lumOff val="80000"/>
               </a:schemeClr>
             </a:gs>
             <a:gs pos="100000">
-              <a:srgbClr val="FFFFFF">
-                <a:alpha val="38000"/>
-              </a:srgbClr>
+              <a:srgbClr val="FFFFFF"/>
             </a:gs>
           </a:gsLst>
           <a:lin ang="13500000" scaled="1"/>
@@ -4499,14 +4569,14 @@
       </p:grpSpPr>
       <p:sp>
         <p:nvSpPr>
-          <p:cNvPr id="846231353" name=""/>
+          <p:cNvPr id="897616115" name=""/>
           <p:cNvSpPr txBox="1"/>
           <p:nvPr/>
         </p:nvSpPr>
         <p:spPr bwMode="auto">
           <a:xfrm flipH="0" flipV="0">
             <a:off x="905848" y="838198"/>
-            <a:ext cx="2646402" cy="823319"/>
+            <a:ext cx="5585450" cy="823319"/>
           </a:xfrm>
           <a:prstGeom prst="rect">
             <a:avLst/>
@@ -4527,7 +4597,7 @@
                 <a:ea typeface="Lohit Tamil Classical"/>
                 <a:cs typeface="Lohit Tamil Classical"/>
               </a:rPr>
-              <a:t>Расчёты</a:t>
+              <a:t>Проверка гипотез</a:t>
             </a:r>
             <a:endParaRPr sz="4800">
               <a:latin typeface="Lohit Tamil Classical"/>
@@ -4539,14 +4609,14 @@
       </p:sp>
       <p:sp>
         <p:nvSpPr>
-          <p:cNvPr id="336192333" name=""/>
+          <p:cNvPr id="1990945226" name=""/>
           <p:cNvSpPr txBox="1"/>
           <p:nvPr/>
         </p:nvSpPr>
         <p:spPr bwMode="auto">
           <a:xfrm flipH="0" flipV="0">
-            <a:off x="905848" y="2158184"/>
-            <a:ext cx="9065880" cy="2557611"/>
+            <a:off x="905847" y="2158183"/>
+            <a:ext cx="9615764" cy="2405211"/>
           </a:xfrm>
           <a:prstGeom prst="rect">
             <a:avLst/>
@@ -4558,57 +4628,89 @@
             <a:spAutoFit/>
           </a:bodyPr>
           <a:p>
-            <a:pPr marL="283878" indent="-283878">
+            <a:pPr marL="327936" indent="-327936">
               <a:lnSpc>
                 <a:spcPct val="114999"/>
               </a:lnSpc>
               <a:buFont typeface="Arial"/>
-              <a:buChar char="•"/>
-              <a:defRPr/>
-            </a:pPr>
-            <a:r>
-              <a:rPr lang="ru-RU" sz="2200" b="0" i="0" u="none" strike="noStrike" cap="none" spc="0">
+              <a:buAutoNum type="arabicPeriod"/>
+              <a:defRPr/>
+            </a:pPr>
+            <a:r>
+              <a:rPr sz="2200" b="0" i="0" u="none">
                 <a:solidFill>
-                  <a:srgbClr val="000000"/>
+                  <a:srgbClr val="1F1F1F"/>
                 </a:solidFill>
                 <a:latin typeface="Lohit Tamil Classical"/>
                 <a:ea typeface="Lohit Tamil Classical"/>
                 <a:cs typeface="Lohit Tamil Classical"/>
               </a:rPr>
-              <a:t>Изучили, как меняются средние значения входных и выходных параметров в зависимости от </a:t>
-            </a:r>
-            <a:r>
-              <a:rPr lang="ru-RU" sz="2200" b="0" i="0" u="none" strike="noStrike" cap="none" spc="0">
+              <a:t>Есть ли различия в доле опасного газа от смены?</a:t>
+            </a:r>
+            <a:endParaRPr sz="2200">
+              <a:latin typeface="Lohit Tamil Classical"/>
+              <a:cs typeface="Lohit Tamil Classical"/>
+            </a:endParaRPr>
+          </a:p>
+          <a:p>
+            <a:pPr marL="327936" indent="-327936">
+              <a:lnSpc>
+                <a:spcPct val="114999"/>
+              </a:lnSpc>
+              <a:buFont typeface="Arial"/>
+              <a:buAutoNum type="arabicPeriod"/>
+              <a:defRPr/>
+            </a:pPr>
+            <a:r>
+              <a:rPr sz="2200" b="0" i="0" u="none">
                 <a:solidFill>
-                  <a:srgbClr val="000000"/>
+                  <a:srgbClr val="1F1F1F"/>
                 </a:solidFill>
                 <a:latin typeface="Lohit Tamil Classical"/>
                 <a:ea typeface="Lohit Tamil Classical"/>
                 <a:cs typeface="Lohit Tamil Classical"/>
               </a:rPr>
-              <a:t>категории </a:t>
-            </a:r>
-            <a:r>
-              <a:rPr lang="ru-RU" sz="2200" b="0" i="0" u="none" strike="noStrike" cap="none" spc="0">
+              <a:t>Какая из смен лучше управляет температурой верха </a:t>
+            </a:r>
+            <a:r>
+              <a:rPr sz="2200" b="0" i="0" u="none">
                 <a:solidFill>
-                  <a:srgbClr val="000000"/>
+                  <a:srgbClr val="1F1F1F"/>
                 </a:solidFill>
                 <a:latin typeface="Lohit Tamil Classical"/>
                 <a:ea typeface="Lohit Tamil Classical"/>
                 <a:cs typeface="Lohit Tamil Classical"/>
               </a:rPr>
-              <a:t>опасности вредного газа</a:t>
-            </a:r>
-            <a:r>
-              <a:rPr lang="ru-RU" sz="2200" b="0" i="0" u="none" strike="noStrike" cap="none" spc="0">
+              <a:t>на этапе 3? Считать, что высокая температура хуже</a:t>
+            </a:r>
+            <a:endParaRPr sz="2200" b="0" i="0" u="none">
+              <a:solidFill>
+                <a:srgbClr val="1F1F1F"/>
+              </a:solidFill>
+              <a:latin typeface="Lohit Tamil Classical"/>
+              <a:ea typeface="Lohit Tamil Classical"/>
+              <a:cs typeface="Lohit Tamil Classical"/>
+            </a:endParaRPr>
+          </a:p>
+          <a:p>
+            <a:pPr marL="327936" indent="-327936">
+              <a:lnSpc>
+                <a:spcPct val="114999"/>
+              </a:lnSpc>
+              <a:buFont typeface="Arial"/>
+              <a:buAutoNum type="arabicPeriod"/>
+              <a:defRPr/>
+            </a:pPr>
+            <a:r>
+              <a:rPr sz="2200" b="0" i="0" u="none">
                 <a:solidFill>
-                  <a:srgbClr val="000000"/>
+                  <a:srgbClr val="1F1F1F"/>
                 </a:solidFill>
                 <a:latin typeface="Lohit Tamil Classical"/>
                 <a:ea typeface="Lohit Tamil Classical"/>
                 <a:cs typeface="Lohit Tamil Classical"/>
               </a:rPr>
-              <a:t> (графики см. в дашборде)</a:t>
+              <a:t>Конверсия мономера на 1 этапе влияет на количество подаваемой суммарной воды</a:t>
             </a:r>
             <a:endParaRPr sz="2200">
               <a:latin typeface="Lohit Tamil Classical"/>
@@ -4616,46 +4718,43 @@
             </a:endParaRPr>
           </a:p>
           <a:p>
-            <a:pPr marL="283878" indent="-283878">
+            <a:pPr marL="327936" indent="-327936">
               <a:lnSpc>
                 <a:spcPct val="114999"/>
               </a:lnSpc>
               <a:buFont typeface="Arial"/>
-              <a:buChar char="•"/>
-              <a:defRPr/>
-            </a:pPr>
-            <a:r>
-              <a:rPr lang="ru-RU" sz="2200" b="0" i="0" u="none" strike="noStrike" cap="none" spc="0">
+              <a:buAutoNum type="arabicPeriod"/>
+              <a:defRPr/>
+            </a:pPr>
+            <a:r>
+              <a:rPr sz="2200" b="0" i="0" u="none">
                 <a:solidFill>
-                  <a:srgbClr val="000000"/>
+                  <a:srgbClr val="1F1F1F"/>
                 </a:solidFill>
                 <a:latin typeface="Lohit Tamil Classical"/>
                 <a:ea typeface="Lohit Tamil Classical"/>
                 <a:cs typeface="Lohit Tamil Classical"/>
               </a:rPr>
-              <a:t>Провели корреляционный анализ</a:t>
-            </a:r>
-            <a:r>
-              <a:rPr lang="ru-RU" sz="2200" b="0" i="0" u="none" strike="noStrike" cap="none" spc="0">
+              <a:t>Количество вых</a:t>
+            </a:r>
+            <a:r>
+              <a:rPr sz="2200" b="0" i="0" u="none">
                 <a:solidFill>
-                  <a:srgbClr val="000000"/>
+                  <a:srgbClr val="1F1F1F"/>
                 </a:solidFill>
                 <a:latin typeface="Lohit Tamil Classical"/>
                 <a:ea typeface="Lohit Tamil Classical"/>
                 <a:cs typeface="Lohit Tamil Classical"/>
               </a:rPr>
-              <a:t> и отдельно выделили факторы, влияющие на процент сухого остатка и массу готового продукта</a:t>
-            </a:r>
-            <a:endParaRPr sz="2200">
+              <a:t>одного продукта связано с долей опасного газа</a:t>
+            </a:r>
+            <a:endParaRPr sz="2200" b="0" i="0" u="none">
+              <a:solidFill>
+                <a:srgbClr val="1F1F1F"/>
+              </a:solidFill>
               <a:latin typeface="Lohit Tamil Classical"/>
               <a:cs typeface="Lohit Tamil Classical"/>
             </a:endParaRPr>
-          </a:p>
-          <a:p>
-            <a:pPr>
-              <a:defRPr/>
-            </a:pPr>
-            <a:endParaRPr/>
           </a:p>
         </p:txBody>
       </p:sp>
@@ -4684,15 +4783,12 @@
           <a:gsLst>
             <a:gs pos="0">
               <a:schemeClr val="accent1">
-                <a:lumMod val="40000"/>
-                <a:lumOff val="60000"/>
-                <a:alpha val="38000"/>
+                <a:lumMod val="20000"/>
+                <a:lumOff val="80000"/>
               </a:schemeClr>
             </a:gs>
             <a:gs pos="100000">
-              <a:srgbClr val="FFFFFF">
-                <a:alpha val="38000"/>
-              </a:srgbClr>
+              <a:srgbClr val="FFFFFF"/>
             </a:gs>
           </a:gsLst>
           <a:lin ang="13500000" scaled="1"/>
@@ -4715,14 +4811,14 @@
       </p:grpSpPr>
       <p:sp>
         <p:nvSpPr>
-          <p:cNvPr id="897616115" name=""/>
+          <p:cNvPr id="1304176591" name=""/>
           <p:cNvSpPr txBox="1"/>
           <p:nvPr/>
         </p:nvSpPr>
         <p:spPr bwMode="auto">
           <a:xfrm flipH="0" flipV="0">
-            <a:off x="905848" y="838198"/>
-            <a:ext cx="5585450" cy="823319"/>
+            <a:off x="905847" y="838197"/>
+            <a:ext cx="5585449" cy="823318"/>
           </a:xfrm>
           <a:prstGeom prst="rect">
             <a:avLst/>
@@ -4755,14 +4851,14 @@
       </p:sp>
       <p:sp>
         <p:nvSpPr>
-          <p:cNvPr id="1990945226" name=""/>
+          <p:cNvPr id="305163063" name=""/>
           <p:cNvSpPr txBox="1"/>
           <p:nvPr/>
         </p:nvSpPr>
         <p:spPr bwMode="auto">
           <a:xfrm flipH="0" flipV="0">
-            <a:off x="905848" y="2158184"/>
-            <a:ext cx="9611445" cy="2405231"/>
+            <a:off x="905847" y="2158183"/>
+            <a:ext cx="9626204" cy="2790780"/>
           </a:xfrm>
           <a:prstGeom prst="rect">
             <a:avLst/>
@@ -4774,12 +4870,18 @@
             <a:spAutoFit/>
           </a:bodyPr>
           <a:p>
-            <a:pPr marL="327936" indent="-327936">
+            <a:pPr marL="327936" marR="0" indent="-327936" algn="l" defTabSz="914400">
               <a:lnSpc>
                 <a:spcPct val="114999"/>
               </a:lnSpc>
+              <a:spcBef>
+                <a:spcPts val="0"/>
+              </a:spcBef>
+              <a:spcAft>
+                <a:spcPts val="0"/>
+              </a:spcAft>
               <a:buFont typeface="Arial"/>
-              <a:buAutoNum type="arabicPeriod"/>
+              <a:buAutoNum type="arabicPeriod" startAt="5"/>
               <a:defRPr/>
             </a:pPr>
             <a:r>
@@ -4791,22 +4893,8 @@
                 <a:ea typeface="Lohit Tamil Classical"/>
                 <a:cs typeface="Lohit Tamil Classical"/>
               </a:rPr>
-              <a:t>Есть ли различия в доле опасного газа от смены?</a:t>
-            </a:r>
-            <a:endParaRPr sz="2200">
-              <a:latin typeface="Lohit Tamil Classical"/>
-              <a:cs typeface="Lohit Tamil Classical"/>
-            </a:endParaRPr>
-          </a:p>
-          <a:p>
-            <a:pPr marL="327936" indent="-327936">
-              <a:lnSpc>
-                <a:spcPct val="114999"/>
-              </a:lnSpc>
-              <a:buFont typeface="Arial"/>
-              <a:buAutoNum type="arabicPeriod"/>
-              <a:defRPr/>
-            </a:pPr>
+              <a:t>Большое кол-во подаваемого пара на 3 стадии влечёт </a:t>
+            </a:r>
             <a:r>
               <a:rPr sz="2200" b="0" i="0" u="none">
                 <a:solidFill>
@@ -4816,7 +4904,18 @@
                 <a:ea typeface="Lohit Tamil Classical"/>
                 <a:cs typeface="Lohit Tamil Classical"/>
               </a:rPr>
-              <a:t>Какая из смен лучше управляет температурой верха </a:t>
+              <a:t>б</a:t>
+            </a:r>
+            <a:r>
+              <a:rPr sz="2200" b="0" i="0" u="none">
+                <a:solidFill>
+                  <a:srgbClr val="333333"/>
+                </a:solidFill>
+                <a:latin typeface="Lohit Tamil Classical"/>
+                <a:ea typeface="Lohit Tamil Classical"/>
+                <a:cs typeface="Lohit Tamil Classical"/>
+              </a:rPr>
+              <a:t>ó</a:t>
             </a:r>
             <a:r>
               <a:rPr sz="2200" b="0" i="0" u="none">
@@ -4827,26 +4926,8 @@
                 <a:ea typeface="Lohit Tamil Classical"/>
                 <a:cs typeface="Lohit Tamil Classical"/>
               </a:rPr>
-              <a:t>на этапе 3? Считать, что высокая температура хуже</a:t>
-            </a:r>
-            <a:endParaRPr sz="2200" b="0" i="0" u="none">
-              <a:solidFill>
-                <a:srgbClr val="1F1F1F"/>
-              </a:solidFill>
-              <a:latin typeface="Lohit Tamil Classical"/>
-              <a:ea typeface="Lohit Tamil Classical"/>
-              <a:cs typeface="Lohit Tamil Classical"/>
-            </a:endParaRPr>
-          </a:p>
-          <a:p>
-            <a:pPr marL="327936" indent="-327936">
-              <a:lnSpc>
-                <a:spcPct val="114999"/>
-              </a:lnSpc>
-              <a:buFont typeface="Arial"/>
-              <a:buAutoNum type="arabicPeriod"/>
-              <a:defRPr/>
-            </a:pPr>
+              <a:t>ль</a:t>
+            </a:r>
             <a:r>
               <a:rPr sz="2200" b="0" i="0" u="none">
                 <a:solidFill>
@@ -4856,20 +4937,29 @@
                 <a:ea typeface="Lohit Tamil Classical"/>
                 <a:cs typeface="Lohit Tamil Classical"/>
               </a:rPr>
-              <a:t>Конверсия мономера на 1 этапе влияет на количество подаваемой суммарной воды</a:t>
-            </a:r>
-            <a:endParaRPr sz="2200">
+              <a:t>ший процент сухого остатка</a:t>
+            </a:r>
+            <a:endParaRPr sz="2200" b="0" i="0" u="none">
+              <a:solidFill>
+                <a:srgbClr val="1F1F1F"/>
+              </a:solidFill>
               <a:latin typeface="Lohit Tamil Classical"/>
               <a:cs typeface="Lohit Tamil Classical"/>
             </a:endParaRPr>
           </a:p>
           <a:p>
-            <a:pPr marL="327936" indent="-327936">
+            <a:pPr marL="327936" marR="0" indent="-327936" algn="l" defTabSz="914400">
               <a:lnSpc>
                 <a:spcPct val="114999"/>
               </a:lnSpc>
+              <a:spcBef>
+                <a:spcPts val="0"/>
+              </a:spcBef>
+              <a:spcAft>
+                <a:spcPts val="0"/>
+              </a:spcAft>
               <a:buFont typeface="Arial"/>
-              <a:buAutoNum type="arabicPeriod"/>
+              <a:buAutoNum type="arabicPeriod" startAt="5"/>
               <a:defRPr/>
             </a:pPr>
             <a:r>
@@ -4881,7 +4971,354 @@
                 <a:ea typeface="Lohit Tamil Classical"/>
                 <a:cs typeface="Lohit Tamil Classical"/>
               </a:rPr>
-              <a:t>Количество выходного продукта связано с долей опасного газа</a:t>
+              <a:t>Большой процент сухого остатка и большая масса готового продукта возможны ТОЛЬКО при достаточно высокой температуре верха в агрегате на 3 стадии</a:t>
+            </a:r>
+            <a:endParaRPr sz="2200">
+              <a:latin typeface="Lohit Tamil Classical"/>
+              <a:cs typeface="Lohit Tamil Classical"/>
+            </a:endParaRPr>
+          </a:p>
+          <a:p>
+            <a:pPr marL="327936" marR="0" indent="-327936" algn="l" defTabSz="914400">
+              <a:lnSpc>
+                <a:spcPct val="114999"/>
+              </a:lnSpc>
+              <a:spcBef>
+                <a:spcPts val="0"/>
+              </a:spcBef>
+              <a:spcAft>
+                <a:spcPts val="0"/>
+              </a:spcAft>
+              <a:buFont typeface="Arial"/>
+              <a:buAutoNum type="arabicPeriod" startAt="5"/>
+              <a:defRPr/>
+            </a:pPr>
+            <a:r>
+              <a:rPr sz="2200" b="0" i="0" u="none">
+                <a:solidFill>
+                  <a:srgbClr val="1F1F1F"/>
+                </a:solidFill>
+                <a:latin typeface="Lohit Tamil Classical"/>
+                <a:ea typeface="Lohit Tamil Classical"/>
+                <a:cs typeface="Lohit Tamil Classical"/>
+              </a:rPr>
+              <a:t>Большое кол-во вакуума на 2 стадии НЕ даёт большой процент сухого остатка</a:t>
+            </a:r>
+            <a:endParaRPr sz="2200">
+              <a:latin typeface="Lohit Tamil Classical"/>
+              <a:cs typeface="Lohit Tamil Classical"/>
+            </a:endParaRPr>
+          </a:p>
+        </p:txBody>
+      </p:sp>
+    </p:spTree>
+  </p:cSld>
+  <p:clrMapOvr>
+    <a:masterClrMapping/>
+  </p:clrMapOvr>
+  <mc:AlternateContent xmlns:mc="http://schemas.openxmlformats.org/markup-compatibility/2006">
+    <mc:Choice xmlns:p14="http://schemas.microsoft.com/office/powerpoint/2010/main" Requires="p14">
+      <p:transition p14:dur="2000" advClick="1"/>
+    </mc:Choice>
+    <mc:Fallback>
+      <p:transition advClick="1"/>
+    </mc:Fallback>
+  </mc:AlternateContent>
+</p:sld>
+</file>
+
+<file path=ppt/slides/slide8.xml><?xml version="1.0" encoding="utf-8"?>
+<p:sld xmlns:a="http://schemas.openxmlformats.org/drawingml/2006/main" xmlns:r="http://schemas.openxmlformats.org/officeDocument/2006/relationships" xmlns:p="http://schemas.openxmlformats.org/presentationml/2006/main" xmlns:m="http://schemas.openxmlformats.org/officeDocument/2006/math" xmlns:w="http://schemas.openxmlformats.org/wordprocessingml/2006/main" showMasterPhAnim="0" show="1">
+  <p:cSld name="">
+    <p:bg>
+      <p:bgPr shadeToTitle="0">
+        <a:gradFill>
+          <a:gsLst>
+            <a:gs pos="0">
+              <a:schemeClr val="accent1">
+                <a:lumMod val="20000"/>
+                <a:lumOff val="80000"/>
+              </a:schemeClr>
+            </a:gs>
+            <a:gs pos="100000">
+              <a:srgbClr val="FFFFFF"/>
+            </a:gs>
+          </a:gsLst>
+          <a:lin ang="13500000" scaled="1"/>
+        </a:gradFill>
+      </p:bgPr>
+    </p:bg>
+    <p:spTree>
+      <p:nvGrpSpPr>
+        <p:cNvPr id="1" name=""/>
+        <p:cNvGrpSpPr/>
+        <p:nvPr/>
+      </p:nvGrpSpPr>
+      <p:grpSpPr bwMode="auto">
+        <a:xfrm>
+          <a:off x="0" y="0"/>
+          <a:ext cx="0" cy="0"/>
+          <a:chOff x="0" y="0"/>
+          <a:chExt cx="0" cy="0"/>
+        </a:xfrm>
+      </p:grpSpPr>
+      <p:sp>
+        <p:nvSpPr>
+          <p:cNvPr id="1510906891" name=""/>
+          <p:cNvSpPr txBox="1"/>
+          <p:nvPr/>
+        </p:nvSpPr>
+        <p:spPr bwMode="auto">
+          <a:xfrm flipH="0" flipV="0">
+            <a:off x="905847" y="838197"/>
+            <a:ext cx="9653210" cy="823319"/>
+          </a:xfrm>
+          <a:prstGeom prst="rect">
+            <a:avLst/>
+          </a:prstGeom>
+          <a:noFill/>
+        </p:spPr>
+        <p:txBody>
+          <a:bodyPr vertOverflow="overflow" horzOverflow="overflow" vert="horz" wrap="none" lIns="91440" tIns="45720" rIns="91440" bIns="45720" numCol="1" spcCol="0" rtlCol="0" fromWordArt="0" anchor="t" anchorCtr="0" forceAA="0" upright="0" compatLnSpc="0">
+            <a:spAutoFit/>
+          </a:bodyPr>
+          <a:p>
+            <a:pPr>
+              <a:defRPr/>
+            </a:pPr>
+            <a:r>
+              <a:rPr sz="4800" b="0" i="0" u="none">
+                <a:solidFill>
+                  <a:srgbClr val="1F1F1F"/>
+                </a:solidFill>
+                <a:latin typeface="Lohit Tamil Classical"/>
+                <a:ea typeface="Lohit Tamil Classical"/>
+                <a:cs typeface="Lohit Tamil Classical"/>
+              </a:rPr>
+              <a:t>Регрессионное моделирование</a:t>
+            </a:r>
+            <a:endParaRPr sz="4800">
+              <a:latin typeface="Lohit Tamil Classical"/>
+              <a:cs typeface="Lohit Tamil Classical"/>
+            </a:endParaRPr>
+          </a:p>
+        </p:txBody>
+      </p:sp>
+      <p:sp>
+        <p:nvSpPr>
+          <p:cNvPr id="1135253857" name=""/>
+          <p:cNvSpPr txBox="1"/>
+          <p:nvPr/>
+        </p:nvSpPr>
+        <p:spPr bwMode="auto">
+          <a:xfrm flipH="0" flipV="0">
+            <a:off x="905847" y="2158183"/>
+            <a:ext cx="9864524" cy="3176375"/>
+          </a:xfrm>
+          <a:prstGeom prst="rect">
+            <a:avLst/>
+          </a:prstGeom>
+          <a:noFill/>
+        </p:spPr>
+        <p:txBody>
+          <a:bodyPr vertOverflow="overflow" horzOverflow="overflow" vert="horz" wrap="square" lIns="91440" tIns="45720" rIns="91440" bIns="45720" numCol="1" spcCol="0" rtlCol="0" fromWordArt="0" anchor="t" anchorCtr="0" forceAA="0" upright="0" compatLnSpc="0">
+            <a:spAutoFit/>
+          </a:bodyPr>
+          <a:p>
+            <a:pPr marL="195764" indent="-195764">
+              <a:lnSpc>
+                <a:spcPct val="114999"/>
+              </a:lnSpc>
+              <a:buFont typeface="Arial"/>
+              <a:buChar char="•"/>
+              <a:defRPr/>
+            </a:pPr>
+            <a:r>
+              <a:rPr sz="2200">
+                <a:latin typeface="Lohit Tamil Classical"/>
+                <a:ea typeface="Lohit Tamil Classical"/>
+                <a:cs typeface="Lohit Tamil Classical"/>
+              </a:rPr>
+              <a:t>Обучили модель, используя те факторы, которые больше всего влияют на долю опасного газа</a:t>
+            </a:r>
+            <a:endParaRPr sz="2200">
+              <a:latin typeface="Lohit Tamil Classical"/>
+              <a:ea typeface="Lohit Tamil Classical"/>
+              <a:cs typeface="Lohit Tamil Classical"/>
+            </a:endParaRPr>
+          </a:p>
+          <a:p>
+            <a:pPr marL="195764" indent="-195764">
+              <a:lnSpc>
+                <a:spcPct val="114999"/>
+              </a:lnSpc>
+              <a:buFont typeface="Arial"/>
+              <a:buChar char="•"/>
+              <a:defRPr/>
+            </a:pPr>
+            <a:r>
+              <a:rPr sz="2200">
+                <a:latin typeface="Lohit Tamil Classical"/>
+                <a:ea typeface="Lohit Tamil Classical"/>
+                <a:cs typeface="Lohit Tamil Classical"/>
+              </a:rPr>
+              <a:t>Оценили модель на метриках R2 и MAPE. Они равны соответственно 0.09 и 0.25</a:t>
+            </a:r>
+            <a:endParaRPr sz="2200">
+              <a:latin typeface="Lohit Tamil Classical"/>
+              <a:ea typeface="Lohit Tamil Classical"/>
+              <a:cs typeface="Lohit Tamil Classical"/>
+            </a:endParaRPr>
+          </a:p>
+          <a:p>
+            <a:pPr marL="195764" indent="-195764">
+              <a:lnSpc>
+                <a:spcPct val="114999"/>
+              </a:lnSpc>
+              <a:buFont typeface="Arial"/>
+              <a:buChar char="•"/>
+              <a:defRPr/>
+            </a:pPr>
+            <a:r>
+              <a:rPr sz="2200">
+                <a:latin typeface="Lohit Tamil Classical"/>
+                <a:ea typeface="Lohit Tamil Classical"/>
+                <a:cs typeface="Lohit Tamil Classical"/>
+              </a:rPr>
+              <a:t>Вывод: модель не может с необходимой точностью предсказать долю вредного газа, для улучшения её качества требуется больше данных, описывающих параметры, которые могут влиять на предсказываемые значения</a:t>
+            </a:r>
+            <a:endParaRPr sz="2200">
+              <a:latin typeface="Lohit Tamil Classical"/>
+              <a:cs typeface="Lohit Tamil Classical"/>
+            </a:endParaRPr>
+          </a:p>
+        </p:txBody>
+      </p:sp>
+    </p:spTree>
+  </p:cSld>
+  <p:clrMapOvr>
+    <a:masterClrMapping/>
+  </p:clrMapOvr>
+  <mc:AlternateContent xmlns:mc="http://schemas.openxmlformats.org/markup-compatibility/2006">
+    <mc:Choice xmlns:p14="http://schemas.microsoft.com/office/powerpoint/2010/main" Requires="p14">
+      <p:transition p14:dur="2000" advClick="1"/>
+    </mc:Choice>
+    <mc:Fallback>
+      <p:transition advClick="1"/>
+    </mc:Fallback>
+  </mc:AlternateContent>
+</p:sld>
+</file>
+
+<file path=ppt/slides/slide9.xml><?xml version="1.0" encoding="utf-8"?>
+<p:sld xmlns:a="http://schemas.openxmlformats.org/drawingml/2006/main" xmlns:r="http://schemas.openxmlformats.org/officeDocument/2006/relationships" xmlns:p="http://schemas.openxmlformats.org/presentationml/2006/main" xmlns:m="http://schemas.openxmlformats.org/officeDocument/2006/math" xmlns:w="http://schemas.openxmlformats.org/wordprocessingml/2006/main" showMasterPhAnim="0" show="1">
+  <p:cSld name="">
+    <p:bg>
+      <p:bgPr shadeToTitle="0">
+        <a:gradFill>
+          <a:gsLst>
+            <a:gs pos="0">
+              <a:schemeClr val="accent1">
+                <a:lumMod val="20000"/>
+                <a:lumOff val="80000"/>
+              </a:schemeClr>
+            </a:gs>
+            <a:gs pos="100000">
+              <a:srgbClr val="FFFFFF"/>
+            </a:gs>
+          </a:gsLst>
+          <a:lin ang="13500000" scaled="1"/>
+        </a:gradFill>
+      </p:bgPr>
+    </p:bg>
+    <p:spTree>
+      <p:nvGrpSpPr>
+        <p:cNvPr id="1" name=""/>
+        <p:cNvGrpSpPr/>
+        <p:nvPr/>
+      </p:nvGrpSpPr>
+      <p:grpSpPr bwMode="auto">
+        <a:xfrm>
+          <a:off x="0" y="0"/>
+          <a:ext cx="0" cy="0"/>
+          <a:chOff x="0" y="0"/>
+          <a:chExt cx="0" cy="0"/>
+        </a:xfrm>
+      </p:grpSpPr>
+      <p:sp>
+        <p:nvSpPr>
+          <p:cNvPr id="2076959220" name=""/>
+          <p:cNvSpPr txBox="1"/>
+          <p:nvPr/>
+        </p:nvSpPr>
+        <p:spPr bwMode="auto">
+          <a:xfrm flipH="0" flipV="0">
+            <a:off x="905847" y="838197"/>
+            <a:ext cx="6106046" cy="823319"/>
+          </a:xfrm>
+          <a:prstGeom prst="rect">
+            <a:avLst/>
+          </a:prstGeom>
+          <a:noFill/>
+        </p:spPr>
+        <p:txBody>
+          <a:bodyPr vertOverflow="overflow" horzOverflow="overflow" vert="horz" wrap="none" lIns="91440" tIns="45720" rIns="91440" bIns="45720" numCol="1" spcCol="0" rtlCol="0" fromWordArt="0" anchor="t" anchorCtr="0" forceAA="0" upright="0" compatLnSpc="0">
+            <a:spAutoFit/>
+          </a:bodyPr>
+          <a:p>
+            <a:pPr>
+              <a:defRPr/>
+            </a:pPr>
+            <a:r>
+              <a:rPr sz="4800">
+                <a:latin typeface="Lohit Tamil Classical"/>
+                <a:ea typeface="Lohit Tamil Classical"/>
+                <a:cs typeface="Lohit Tamil Classical"/>
+              </a:rPr>
+              <a:t>Ссылка на дашборд</a:t>
+            </a:r>
+            <a:endParaRPr sz="4800">
+              <a:latin typeface="Lohit Tamil Classical"/>
+              <a:cs typeface="Lohit Tamil Classical"/>
+            </a:endParaRPr>
+          </a:p>
+        </p:txBody>
+      </p:sp>
+      <p:sp>
+        <p:nvSpPr>
+          <p:cNvPr id="1157942771" name=""/>
+          <p:cNvSpPr txBox="1"/>
+          <p:nvPr/>
+        </p:nvSpPr>
+        <p:spPr bwMode="auto">
+          <a:xfrm flipH="0" flipV="0">
+            <a:off x="905847" y="2158183"/>
+            <a:ext cx="9865964" cy="427079"/>
+          </a:xfrm>
+          <a:prstGeom prst="rect">
+            <a:avLst/>
+          </a:prstGeom>
+          <a:noFill/>
+        </p:spPr>
+        <p:txBody>
+          <a:bodyPr vertOverflow="overflow" horzOverflow="overflow" vert="horz" wrap="square" lIns="91440" tIns="45720" rIns="91440" bIns="45720" numCol="1" spcCol="0" rtlCol="0" fromWordArt="0" anchor="t" anchorCtr="0" forceAA="0" upright="0" compatLnSpc="0">
+            <a:spAutoFit/>
+          </a:bodyPr>
+          <a:p>
+            <a:pPr>
+              <a:defRPr/>
+            </a:pPr>
+            <a:r>
+              <a:rPr sz="2200" u="sng">
+                <a:solidFill>
+                  <a:schemeClr val="hlink"/>
+                </a:solidFill>
+                <a:latin typeface="Lohit Tamil Classical"/>
+                <a:ea typeface="Lohit Tamil Classical"/>
+                <a:cs typeface="Lohit Tamil Classical"/>
+                <a:hlinkClick r:id="rId2" tooltip="https://datalens.yandex/4el0ofqoxksgq"/>
+              </a:rPr>
+              <a:t>https://datalens.yandex/4el0ofqoxksgq</a:t>
             </a:r>
             <a:endParaRPr sz="2200">
               <a:latin typeface="Lohit Tamil Classical"/>

--- a/presentation.pptx
+++ b/presentation.pptx
@@ -3398,8 +3398,8 @@
         </p:nvSpPr>
         <p:spPr bwMode="auto">
           <a:xfrm flipH="0" flipV="0">
-            <a:off x="1105874" y="1752599"/>
-            <a:ext cx="10348829" cy="2103480"/>
+            <a:off x="1105873" y="1752598"/>
+            <a:ext cx="10349908" cy="2103480"/>
           </a:xfrm>
           <a:prstGeom prst="rect">
             <a:avLst/>
@@ -3417,7 +3417,7 @@
             <a:r>
               <a:rPr sz="6600" b="0" i="0" u="none">
                 <a:solidFill>
-                  <a:srgbClr val="1F1F1F"/>
+                  <a:schemeClr val="tx1"/>
                 </a:solidFill>
                 <a:latin typeface="Lohit Tamil Classical"/>
                 <a:ea typeface="Lohit Tamil Classical"/>
@@ -3428,7 +3428,7 @@
             <a:r>
               <a:rPr sz="6600" b="0" i="0" u="none">
                 <a:solidFill>
-                  <a:srgbClr val="1F1F1F"/>
+                  <a:schemeClr val="tx1"/>
                 </a:solidFill>
                 <a:latin typeface="Lohit Tamil Classical"/>
                 <a:ea typeface="Lohit Tamil Classical"/>
@@ -3438,7 +3438,7 @@
             </a:r>
             <a:endParaRPr sz="6600" b="0" i="0" u="none">
               <a:solidFill>
-                <a:srgbClr val="1F1F1F"/>
+                <a:schemeClr val="tx1"/>
               </a:solidFill>
               <a:latin typeface="Lohit Tamil Classical"/>
               <a:ea typeface="Lohit Tamil Classical"/>
@@ -3455,8 +3455,8 @@
         </p:nvSpPr>
         <p:spPr bwMode="auto">
           <a:xfrm flipH="0" flipV="0">
-            <a:off x="2778591" y="4272913"/>
-            <a:ext cx="7003395" cy="488039"/>
+            <a:off x="2778590" y="4272912"/>
+            <a:ext cx="7004114" cy="488039"/>
           </a:xfrm>
           <a:prstGeom prst="rect">
             <a:avLst/>
@@ -3474,18 +3474,29 @@
             <a:r>
               <a:rPr sz="2600" b="0" i="0" u="none">
                 <a:solidFill>
-                  <a:srgbClr val="1F1F1F"/>
-                </a:solidFill>
-                <a:latin typeface="Lohit Tamil Classical"/>
-                <a:ea typeface="Lohit Tamil Classical"/>
-                <a:cs typeface="Lohit Tamil Classical"/>
-              </a:rPr>
-              <a:t>Проект для задачи </a:t>
+                  <a:schemeClr val="tx1"/>
+                </a:solidFill>
+                <a:latin typeface="Lohit Tamil Classical"/>
+                <a:ea typeface="Lohit Tamil Classical"/>
+                <a:cs typeface="Lohit Tamil Classical"/>
+              </a:rPr>
+              <a:t>Проект </a:t>
             </a:r>
             <a:r>
               <a:rPr sz="2600" b="0" i="0" u="none">
                 <a:solidFill>
-                  <a:srgbClr val="1F1F1F"/>
+                  <a:schemeClr val="tx1"/>
+                </a:solidFill>
+                <a:latin typeface="Lohit Tamil Classical"/>
+                <a:ea typeface="Lohit Tamil Classical"/>
+                <a:cs typeface="Lohit Tamil Classical"/>
+              </a:rPr>
+              <a:t>для задачи </a:t>
+            </a:r>
+            <a:r>
+              <a:rPr sz="2600" b="0" i="0" u="none">
+                <a:solidFill>
+                  <a:schemeClr val="tx1"/>
                 </a:solidFill>
                 <a:latin typeface="Lohit Tamil Classical"/>
                 <a:ea typeface="Lohit Tamil Classical"/>
@@ -3495,7 +3506,7 @@
             </a:r>
             <a:endParaRPr sz="2600" b="0" i="0" u="none">
               <a:solidFill>
-                <a:srgbClr val="1F1F1F"/>
+                <a:schemeClr val="tx1"/>
               </a:solidFill>
               <a:latin typeface="Lohit Tamil Classical"/>
               <a:ea typeface="Lohit Tamil Classical"/>
@@ -3563,8 +3574,8 @@
         </p:nvSpPr>
         <p:spPr bwMode="auto">
           <a:xfrm flipH="0" flipV="0">
-            <a:off x="1105873" y="2457448"/>
-            <a:ext cx="10356748" cy="1097640"/>
+            <a:off x="1105872" y="2457447"/>
+            <a:ext cx="10357106" cy="1097640"/>
           </a:xfrm>
           <a:prstGeom prst="rect">
             <a:avLst/>
@@ -3582,7 +3593,7 @@
             <a:r>
               <a:rPr sz="6600" b="0" i="0" u="none">
                 <a:solidFill>
-                  <a:srgbClr val="1F1F1F"/>
+                  <a:schemeClr val="tx1"/>
                 </a:solidFill>
                 <a:latin typeface="Lohit Tamil Classical"/>
                 <a:ea typeface="Lohit Tamil Classical"/>
@@ -3592,7 +3603,7 @@
             </a:r>
             <a:endParaRPr sz="6600" b="0" i="0" u="none">
               <a:solidFill>
-                <a:srgbClr val="1F1F1F"/>
+                <a:schemeClr val="tx1"/>
               </a:solidFill>
               <a:latin typeface="Lohit Tamil Classical"/>
               <a:ea typeface="Lohit Tamil Classical"/>
@@ -3660,7 +3671,7 @@
         </p:nvSpPr>
         <p:spPr bwMode="auto">
           <a:xfrm flipH="0" flipV="0">
-            <a:off x="905848" y="838198"/>
+            <a:off x="905847" y="838197"/>
             <a:ext cx="5427989" cy="823319"/>
           </a:xfrm>
           <a:prstGeom prst="rect">
@@ -3678,6 +3689,9 @@
             </a:pPr>
             <a:r>
               <a:rPr sz="4800">
+                <a:solidFill>
+                  <a:schemeClr val="tx1"/>
+                </a:solidFill>
                 <a:latin typeface="Lohit Tamil Classical"/>
                 <a:ea typeface="Lohit Tamil Classical"/>
                 <a:cs typeface="Lohit Tamil Classical"/>
@@ -3685,6 +3699,9 @@
               <a:t>Описание задачи</a:t>
             </a:r>
             <a:endParaRPr sz="4800">
+              <a:solidFill>
+                <a:schemeClr val="tx1"/>
+              </a:solidFill>
               <a:latin typeface="Lohit Tamil Classical"/>
               <a:ea typeface="Lohit Tamil Classical"/>
               <a:cs typeface="Lohit Tamil Classical"/>
@@ -3700,8 +3717,8 @@
         </p:nvSpPr>
         <p:spPr bwMode="auto">
           <a:xfrm flipH="0" flipV="0">
-            <a:off x="905848" y="2158184"/>
-            <a:ext cx="7792890" cy="2019658"/>
+            <a:off x="905847" y="2158183"/>
+            <a:ext cx="7793609" cy="2019643"/>
           </a:xfrm>
           <a:prstGeom prst="rect">
             <a:avLst/>
@@ -3724,7 +3741,7 @@
             <a:r>
               <a:rPr sz="2200" b="0" i="0" u="none">
                 <a:solidFill>
-                  <a:srgbClr val="1F1F1F"/>
+                  <a:schemeClr val="tx1"/>
                 </a:solidFill>
                 <a:latin typeface="Lohit Tamil Classical"/>
                 <a:ea typeface="Lohit Tamil Classical"/>
@@ -3733,6 +3750,9 @@
               <a:t>Провести исследовательский анализ данных (EDA)</a:t>
             </a:r>
             <a:endParaRPr sz="2200">
+              <a:solidFill>
+                <a:schemeClr val="tx1"/>
+              </a:solidFill>
               <a:latin typeface="Lohit Tamil Classical"/>
               <a:cs typeface="Lohit Tamil Classical"/>
             </a:endParaRPr>
@@ -3749,7 +3769,7 @@
             <a:r>
               <a:rPr sz="2200" b="0" i="0" u="none">
                 <a:solidFill>
-                  <a:srgbClr val="1F1F1F"/>
+                  <a:schemeClr val="tx1"/>
                 </a:solidFill>
                 <a:latin typeface="Lohit Tamil Classical"/>
                 <a:ea typeface="Lohit Tamil Classical"/>
@@ -3758,6 +3778,9 @@
               <a:t>Создать расчёты</a:t>
             </a:r>
             <a:endParaRPr sz="2200">
+              <a:solidFill>
+                <a:schemeClr val="tx1"/>
+              </a:solidFill>
               <a:latin typeface="Lohit Tamil Classical"/>
               <a:cs typeface="Lohit Tamil Classical"/>
             </a:endParaRPr>
@@ -3774,7 +3797,7 @@
             <a:r>
               <a:rPr sz="2200" b="0" i="0" u="none">
                 <a:solidFill>
-                  <a:srgbClr val="1F1F1F"/>
+                  <a:schemeClr val="tx1"/>
                 </a:solidFill>
                 <a:latin typeface="Lohit Tamil Classical"/>
                 <a:ea typeface="Lohit Tamil Classical"/>
@@ -3783,6 +3806,9 @@
               <a:t>Выполнить проверку гипотез</a:t>
             </a:r>
             <a:endParaRPr sz="2200">
+              <a:solidFill>
+                <a:schemeClr val="tx1"/>
+              </a:solidFill>
               <a:latin typeface="Lohit Tamil Classical"/>
               <a:cs typeface="Lohit Tamil Classical"/>
             </a:endParaRPr>
@@ -3799,7 +3825,7 @@
             <a:r>
               <a:rPr sz="2200" b="0" i="0" u="none">
                 <a:solidFill>
-                  <a:srgbClr val="1F1F1F"/>
+                  <a:schemeClr val="tx1"/>
                 </a:solidFill>
                 <a:latin typeface="Lohit Tamil Classical"/>
                 <a:ea typeface="Lohit Tamil Classical"/>
@@ -3808,6 +3834,9 @@
               <a:t>Выполнить регрессионное моделирование</a:t>
             </a:r>
             <a:endParaRPr sz="2200">
+              <a:solidFill>
+                <a:schemeClr val="tx1"/>
+              </a:solidFill>
               <a:latin typeface="Lohit Tamil Classical"/>
               <a:cs typeface="Lohit Tamil Classical"/>
             </a:endParaRPr>
@@ -3824,7 +3853,7 @@
             <a:r>
               <a:rPr sz="2200" b="0" i="0" u="none">
                 <a:solidFill>
-                  <a:srgbClr val="1F1F1F"/>
+                  <a:schemeClr val="tx1"/>
                 </a:solidFill>
                 <a:latin typeface="Lohit Tamil Classical"/>
                 <a:ea typeface="Lohit Tamil Classical"/>
@@ -3833,6 +3862,9 @@
               <a:t>Создать дашборд по результатам работы</a:t>
             </a:r>
             <a:endParaRPr sz="2200">
+              <a:solidFill>
+                <a:schemeClr val="tx1"/>
+              </a:solidFill>
               <a:latin typeface="Lohit Tamil Classical"/>
               <a:cs typeface="Lohit Tamil Classical"/>
             </a:endParaRPr>
@@ -3898,7 +3930,7 @@
         </p:nvSpPr>
         <p:spPr bwMode="auto">
           <a:xfrm flipH="0" flipV="0">
-            <a:off x="905848" y="838198"/>
+            <a:off x="905847" y="838197"/>
             <a:ext cx="1352788" cy="823319"/>
           </a:xfrm>
           <a:prstGeom prst="rect">
@@ -3916,6 +3948,9 @@
             </a:pPr>
             <a:r>
               <a:rPr sz="4800">
+                <a:solidFill>
+                  <a:schemeClr val="tx1"/>
+                </a:solidFill>
                 <a:latin typeface="Lohit Tamil Classical"/>
                 <a:ea typeface="Lohit Tamil Classical"/>
                 <a:cs typeface="Lohit Tamil Classical"/>
@@ -3938,8 +3973,8 @@
         </p:nvSpPr>
         <p:spPr bwMode="auto">
           <a:xfrm flipH="0" flipV="0">
-            <a:off x="905848" y="2158184"/>
-            <a:ext cx="9020895" cy="2019658"/>
+            <a:off x="905846" y="2158182"/>
+            <a:ext cx="9025573" cy="2019643"/>
           </a:xfrm>
           <a:prstGeom prst="rect">
             <a:avLst/>
@@ -3962,7 +3997,7 @@
             <a:r>
               <a:rPr sz="2200" b="0" i="0" u="none">
                 <a:solidFill>
-                  <a:srgbClr val="1F1F1F"/>
+                  <a:schemeClr val="tx1"/>
                 </a:solidFill>
                 <a:latin typeface="Lohit Tamil Classical"/>
                 <a:ea typeface="Lohit Tamil Classical"/>
@@ -3971,6 +4006,9 @@
               <a:t>Не учитывали дни, когда измерения не проводились</a:t>
             </a:r>
             <a:endParaRPr sz="2200">
+              <a:solidFill>
+                <a:schemeClr val="tx1"/>
+              </a:solidFill>
               <a:latin typeface="Lohit Tamil Classical"/>
               <a:cs typeface="Lohit Tamil Classical"/>
             </a:endParaRPr>
@@ -3987,7 +4025,7 @@
             <a:r>
               <a:rPr sz="2200" b="0" i="0" u="none">
                 <a:solidFill>
-                  <a:srgbClr val="1F1F1F"/>
+                  <a:schemeClr val="tx1"/>
                 </a:solidFill>
                 <a:latin typeface="Lohit Tamil Classical"/>
                 <a:ea typeface="Lohit Tamil Classical"/>
@@ -3996,6 +4034,9 @@
               <a:t>Привели номер смены к целочисленному типу</a:t>
             </a:r>
             <a:endParaRPr sz="2200">
+              <a:solidFill>
+                <a:schemeClr val="tx1"/>
+              </a:solidFill>
               <a:latin typeface="Lohit Tamil Classical"/>
               <a:cs typeface="Lohit Tamil Classical"/>
             </a:endParaRPr>
@@ -4012,15 +4053,62 @@
             <a:r>
               <a:rPr sz="2200" b="0" i="0" u="none">
                 <a:solidFill>
-                  <a:srgbClr val="1F1F1F"/>
-                </a:solidFill>
-                <a:latin typeface="Lohit Tamil Classical"/>
-                <a:ea typeface="Lohit Tamil Classical"/>
-                <a:cs typeface="Lohit Tamil Classical"/>
-              </a:rPr>
-              <a:t>Создали новые колонки дня и месяца для более удобной работы с датами</a:t>
+                  <a:schemeClr val="tx1"/>
+                </a:solidFill>
+                <a:latin typeface="Lohit Tamil Classical"/>
+                <a:ea typeface="Lohit Tamil Classical"/>
+                <a:cs typeface="Lohit Tamil Classical"/>
+              </a:rPr>
+              <a:t>Создал</a:t>
+            </a:r>
+            <a:r>
+              <a:rPr sz="2200" b="0" i="0" u="none">
+                <a:solidFill>
+                  <a:schemeClr val="tx1"/>
+                </a:solidFill>
+                <a:latin typeface="Lohit Tamil Classical"/>
+                <a:ea typeface="Lohit Tamil Classical"/>
+                <a:cs typeface="Lohit Tamil Classical"/>
+              </a:rPr>
+              <a:t>и новые колонки дня и месяца для более удобной работы с</a:t>
+            </a:r>
+            <a:r>
+              <a:rPr sz="2200" b="0" i="0" u="none">
+                <a:solidFill>
+                  <a:schemeClr val="tx1"/>
+                </a:solidFill>
+                <a:latin typeface="Lohit Tamil Classical"/>
+                <a:ea typeface="Lohit Tamil Classical"/>
+                <a:cs typeface="Lohit Tamil Classical"/>
+              </a:rPr>
+              <a:t> </a:t>
+            </a:r>
+            <a:r>
+              <a:rPr sz="2200" b="0" i="0" u="none">
+                <a:solidFill>
+                  <a:schemeClr val="tx1"/>
+                </a:solidFill>
+                <a:latin typeface="Lohit Tamil Classical"/>
+                <a:ea typeface="Lohit Tamil Classical"/>
+                <a:cs typeface="Lohit Tamil Classical"/>
+              </a:rPr>
+              <a:t>да</a:t>
+            </a:r>
+            <a:r>
+              <a:rPr sz="2200" b="0" i="0" u="none">
+                <a:solidFill>
+                  <a:schemeClr val="tx1"/>
+                </a:solidFill>
+                <a:latin typeface="Lohit Tamil Classical"/>
+                <a:ea typeface="Lohit Tamil Classical"/>
+                <a:cs typeface="Lohit Tamil Classical"/>
+              </a:rPr>
+              <a:t>тами</a:t>
             </a:r>
             <a:endParaRPr sz="2200">
+              <a:solidFill>
+                <a:schemeClr val="tx1"/>
+              </a:solidFill>
               <a:latin typeface="Lohit Tamil Classical"/>
               <a:cs typeface="Lohit Tamil Classical"/>
             </a:endParaRPr>
@@ -4036,6 +4124,9 @@
             </a:pPr>
             <a:r>
               <a:rPr sz="2200">
+                <a:solidFill>
+                  <a:schemeClr val="tx1"/>
+                </a:solidFill>
                 <a:latin typeface="Lohit Tamil Classical"/>
                 <a:ea typeface="Lohit Tamil Classical"/>
                 <a:cs typeface="Lohit Tamil Classical"/>
@@ -4108,7 +4199,7 @@
         </p:nvSpPr>
         <p:spPr bwMode="auto">
           <a:xfrm flipH="0" flipV="0">
-            <a:off x="905848" y="838198"/>
+            <a:off x="905847" y="838197"/>
             <a:ext cx="2646402" cy="823319"/>
           </a:xfrm>
           <a:prstGeom prst="rect">
@@ -4126,6 +4217,9 @@
             </a:pPr>
             <a:r>
               <a:rPr sz="4800">
+                <a:solidFill>
+                  <a:schemeClr val="tx1"/>
+                </a:solidFill>
                 <a:latin typeface="Lohit Tamil Classical"/>
                 <a:ea typeface="Lohit Tamil Classical"/>
                 <a:cs typeface="Lohit Tamil Classical"/>
@@ -4148,8 +4242,8 @@
         </p:nvSpPr>
         <p:spPr bwMode="auto">
           <a:xfrm flipH="0" flipV="0">
-            <a:off x="905847" y="2158183"/>
-            <a:ext cx="9014039" cy="2790780"/>
+            <a:off x="905845" y="2158182"/>
+            <a:ext cx="9326776" cy="2790780"/>
           </a:xfrm>
           <a:prstGeom prst="rect">
             <a:avLst/>
@@ -4171,6 +4265,9 @@
             </a:pPr>
             <a:r>
               <a:rPr sz="2200">
+                <a:solidFill>
+                  <a:schemeClr val="tx1"/>
+                </a:solidFill>
                 <a:latin typeface="Lohit Tamil Classical"/>
                 <a:ea typeface="Lohit Tamil Classical"/>
                 <a:cs typeface="Lohit Tamil Classical"/>
@@ -4180,7 +4277,7 @@
             <a:r>
               <a:rPr lang="ru-RU" sz="2200" b="0" i="0" u="none" strike="noStrike" cap="none" spc="0">
                 <a:solidFill>
-                  <a:srgbClr val="000000"/>
+                  <a:schemeClr val="tx1"/>
                 </a:solidFill>
                 <a:latin typeface="Lohit Tamil Classical"/>
                 <a:ea typeface="Lohit Tamil Classical"/>
@@ -4190,13 +4287,217 @@
             </a:r>
             <a:r>
               <a:rPr sz="2200">
-                <a:latin typeface="Lohit Tamil Classical"/>
-                <a:ea typeface="Lohit Tamil Classical"/>
-                <a:cs typeface="Lohit Tamil Classical"/>
-              </a:rPr>
-              <a:t>: 1 - меньше 5%, 2 - от 5% до 16%, 3 - больше 16%</a:t>
+                <a:solidFill>
+                  <a:schemeClr val="tx1"/>
+                </a:solidFill>
+                <a:latin typeface="Lohit Tamil Classical"/>
+                <a:ea typeface="Lohit Tamil Classical"/>
+                <a:cs typeface="Lohit Tamil Classical"/>
+              </a:rPr>
+              <a:t>: 1</a:t>
+            </a:r>
+            <a:r>
+              <a:rPr lang="ru-RU" sz="2200" b="0" i="0" u="none" strike="noStrike" cap="none" spc="0">
+                <a:solidFill>
+                  <a:schemeClr val="tx1"/>
+                </a:solidFill>
+                <a:latin typeface="Lohit Tamil Classical"/>
+                <a:ea typeface="Lohit Tamil Classical"/>
+                <a:cs typeface="Lohit Tamil Classical"/>
+              </a:rPr>
+              <a:t> </a:t>
+            </a:r>
+            <a:r>
+              <a:rPr sz="2200">
+                <a:solidFill>
+                  <a:schemeClr val="tx1"/>
+                </a:solidFill>
+                <a:latin typeface="Lohit Tamil Classical"/>
+                <a:ea typeface="Lohit Tamil Classical"/>
+                <a:cs typeface="Lohit Tamil Classical"/>
+              </a:rPr>
+              <a:t>-</a:t>
+            </a:r>
+            <a:r>
+              <a:rPr lang="ru-RU" sz="2200" b="0" i="0" u="none" strike="noStrike" cap="none" spc="0">
+                <a:solidFill>
+                  <a:schemeClr val="tx1"/>
+                </a:solidFill>
+                <a:latin typeface="Lohit Tamil Classical"/>
+                <a:ea typeface="Lohit Tamil Classical"/>
+                <a:cs typeface="Lohit Tamil Classical"/>
+              </a:rPr>
+              <a:t> </a:t>
+            </a:r>
+            <a:r>
+              <a:rPr sz="2200">
+                <a:solidFill>
+                  <a:schemeClr val="tx1"/>
+                </a:solidFill>
+                <a:latin typeface="Lohit Tamil Classical"/>
+                <a:ea typeface="Lohit Tamil Classical"/>
+                <a:cs typeface="Lohit Tamil Classical"/>
+              </a:rPr>
+              <a:t>меньше 5%, 2</a:t>
+            </a:r>
+            <a:r>
+              <a:rPr lang="ru-RU" sz="2200" b="0" i="0" u="none" strike="noStrike" cap="none" spc="0">
+                <a:solidFill>
+                  <a:schemeClr val="tx1"/>
+                </a:solidFill>
+                <a:latin typeface="Lohit Tamil Classical"/>
+                <a:ea typeface="Lohit Tamil Classical"/>
+                <a:cs typeface="Lohit Tamil Classical"/>
+              </a:rPr>
+              <a:t> </a:t>
+            </a:r>
+            <a:r>
+              <a:rPr sz="2200">
+                <a:solidFill>
+                  <a:schemeClr val="tx1"/>
+                </a:solidFill>
+                <a:latin typeface="Lohit Tamil Classical"/>
+                <a:ea typeface="Lohit Tamil Classical"/>
+                <a:cs typeface="Lohit Tamil Classical"/>
+              </a:rPr>
+              <a:t>-</a:t>
+            </a:r>
+            <a:r>
+              <a:rPr lang="ru-RU" sz="2200" b="0" i="0" u="none" strike="noStrike" cap="none" spc="0">
+                <a:solidFill>
+                  <a:schemeClr val="tx1"/>
+                </a:solidFill>
+                <a:latin typeface="Lohit Tamil Classical"/>
+                <a:ea typeface="Lohit Tamil Classical"/>
+                <a:cs typeface="Lohit Tamil Classical"/>
+              </a:rPr>
+              <a:t> </a:t>
+            </a:r>
+            <a:r>
+              <a:rPr sz="2200">
+                <a:solidFill>
+                  <a:schemeClr val="tx1"/>
+                </a:solidFill>
+                <a:latin typeface="Lohit Tamil Classical"/>
+                <a:ea typeface="Lohit Tamil Classical"/>
+                <a:cs typeface="Lohit Tamil Classical"/>
+              </a:rPr>
+              <a:t>от</a:t>
+            </a:r>
+            <a:r>
+              <a:rPr lang="ru-RU" sz="2200" b="0" i="0" u="none" strike="noStrike" cap="none" spc="0">
+                <a:solidFill>
+                  <a:schemeClr val="tx1"/>
+                </a:solidFill>
+                <a:latin typeface="Lohit Tamil Classical"/>
+                <a:ea typeface="Lohit Tamil Classical"/>
+                <a:cs typeface="Lohit Tamil Classical"/>
+              </a:rPr>
+              <a:t> </a:t>
+            </a:r>
+            <a:r>
+              <a:rPr sz="2200">
+                <a:solidFill>
+                  <a:schemeClr val="tx1"/>
+                </a:solidFill>
+                <a:latin typeface="Lohit Tamil Classical"/>
+                <a:ea typeface="Lohit Tamil Classical"/>
+                <a:cs typeface="Lohit Tamil Classical"/>
+              </a:rPr>
+              <a:t>5%</a:t>
+            </a:r>
+            <a:r>
+              <a:rPr lang="ru-RU" sz="2200" b="0" i="0" u="none" strike="noStrike" cap="none" spc="0">
+                <a:solidFill>
+                  <a:schemeClr val="tx1"/>
+                </a:solidFill>
+                <a:latin typeface="Lohit Tamil Classical"/>
+                <a:ea typeface="Lohit Tamil Classical"/>
+                <a:cs typeface="Lohit Tamil Classical"/>
+              </a:rPr>
+              <a:t> </a:t>
+            </a:r>
+            <a:r>
+              <a:rPr sz="2200">
+                <a:solidFill>
+                  <a:schemeClr val="tx1"/>
+                </a:solidFill>
+                <a:latin typeface="Lohit Tamil Classical"/>
+                <a:ea typeface="Lohit Tamil Classical"/>
+                <a:cs typeface="Lohit Tamil Classical"/>
+              </a:rPr>
+              <a:t>до</a:t>
+            </a:r>
+            <a:r>
+              <a:rPr lang="ru-RU" sz="2200" b="0" i="0" u="none" strike="noStrike" cap="none" spc="0">
+                <a:solidFill>
+                  <a:schemeClr val="tx1"/>
+                </a:solidFill>
+                <a:latin typeface="Lohit Tamil Classical"/>
+                <a:ea typeface="Lohit Tamil Classical"/>
+                <a:cs typeface="Lohit Tamil Classical"/>
+              </a:rPr>
+              <a:t> </a:t>
+            </a:r>
+            <a:r>
+              <a:rPr sz="2200">
+                <a:solidFill>
+                  <a:schemeClr val="tx1"/>
+                </a:solidFill>
+                <a:latin typeface="Lohit Tamil Classical"/>
+                <a:ea typeface="Lohit Tamil Classical"/>
+                <a:cs typeface="Lohit Tamil Classical"/>
+              </a:rPr>
+              <a:t>16%, 3</a:t>
+            </a:r>
+            <a:r>
+              <a:rPr lang="ru-RU" sz="2200" b="0" i="0" u="none" strike="noStrike" cap="none" spc="0">
+                <a:solidFill>
+                  <a:schemeClr val="tx1"/>
+                </a:solidFill>
+                <a:latin typeface="Lohit Tamil Classical"/>
+                <a:ea typeface="Lohit Tamil Classical"/>
+                <a:cs typeface="Lohit Tamil Classical"/>
+              </a:rPr>
+              <a:t> </a:t>
+            </a:r>
+            <a:r>
+              <a:rPr sz="2200">
+                <a:solidFill>
+                  <a:schemeClr val="tx1"/>
+                </a:solidFill>
+                <a:latin typeface="Lohit Tamil Classical"/>
+                <a:ea typeface="Lohit Tamil Classical"/>
+                <a:cs typeface="Lohit Tamil Classical"/>
+              </a:rPr>
+              <a:t>-</a:t>
+            </a:r>
+            <a:r>
+              <a:rPr lang="ru-RU" sz="2200" b="0" i="0" u="none" strike="noStrike" cap="none" spc="0">
+                <a:solidFill>
+                  <a:schemeClr val="tx1"/>
+                </a:solidFill>
+                <a:latin typeface="Lohit Tamil Classical"/>
+                <a:ea typeface="Lohit Tamil Classical"/>
+                <a:cs typeface="Lohit Tamil Classical"/>
+              </a:rPr>
+              <a:t> </a:t>
+            </a:r>
+            <a:r>
+              <a:rPr sz="2200">
+                <a:solidFill>
+                  <a:schemeClr val="tx1"/>
+                </a:solidFill>
+                <a:latin typeface="Lohit Tamil Classical"/>
+                <a:ea typeface="Lohit Tamil Classical"/>
+                <a:cs typeface="Lohit Tamil Classical"/>
+              </a:rPr>
+              <a:t>больше 16%</a:t>
             </a:r>
             <a:endParaRPr sz="2200">
+              <a:solidFill>
+                <a:schemeClr val="tx1"/>
+              </a:solidFill>
               <a:latin typeface="Lohit Tamil Classical"/>
               <a:ea typeface="Lohit Tamil Classical"/>
               <a:cs typeface="Lohit Tamil Classical"/>
@@ -4213,6 +4514,9 @@
             </a:pPr>
             <a:r>
               <a:rPr sz="2200">
+                <a:solidFill>
+                  <a:schemeClr val="tx1"/>
+                </a:solidFill>
                 <a:latin typeface="Lohit Tamil Classical"/>
                 <a:ea typeface="Lohit Tamil Classical"/>
                 <a:cs typeface="Lohit Tamil Classical"/>
@@ -4221,32 +4525,117 @@
             </a:r>
             <a:r>
               <a:rPr sz="2200">
-                <a:latin typeface="Lohit Tamil Classical"/>
-                <a:ea typeface="Lohit Tamil Classical"/>
-                <a:cs typeface="Lohit Tamil Classical"/>
-              </a:rPr>
-              <a:t>гда ресурсов тратится больше, например          </a:t>
-            </a:r>
+                <a:solidFill>
+                  <a:schemeClr val="tx1"/>
+                </a:solidFill>
+                <a:latin typeface="Lohit Tamil Classical"/>
+                <a:ea typeface="Lohit Tamil Classical"/>
+                <a:cs typeface="Lohit Tamil Classical"/>
+              </a:rPr>
+              <a:t>гда ресурсов тратится больше, например</a:t>
+            </a:r>
+            <a:br>
+              <a:rPr sz="2200">
+                <a:solidFill>
+                  <a:schemeClr val="tx1"/>
+                </a:solidFill>
+                <a:latin typeface="Lohit Tamil Classical"/>
+                <a:ea typeface="Lohit Tamil Classical"/>
+                <a:cs typeface="Lohit Tamil Classical"/>
+              </a:rPr>
+            </a:br>
             <a:r>
               <a:rPr sz="2200" b="0" i="0" u="none">
                 <a:solidFill>
-                  <a:srgbClr val="1F1F1F"/>
-                </a:solidFill>
-                <a:latin typeface="Lohit Tamil Classical"/>
-                <a:ea typeface="Lohit Tamil Classical"/>
-                <a:cs typeface="Lohit Tamil Classical"/>
-              </a:rPr>
-              <a:t>     6-7 февраля 2021</a:t>
+                  <a:schemeClr val="tx1"/>
+                </a:solidFill>
+                <a:latin typeface="Lohit Tamil Classical"/>
+                <a:ea typeface="Lohit Tamil Classical"/>
+                <a:cs typeface="Lohit Tamil Classical"/>
+              </a:rPr>
+              <a:t>6-</a:t>
+            </a:r>
+            <a:r>
+              <a:rPr sz="2200" b="0" i="0" u="none">
+                <a:solidFill>
+                  <a:schemeClr val="tx1"/>
+                </a:solidFill>
+                <a:latin typeface="Lohit Tamil Classical"/>
+                <a:ea typeface="Lohit Tamil Classical"/>
+                <a:cs typeface="Lohit Tamil Classical"/>
+              </a:rPr>
+              <a:t>7</a:t>
+            </a:r>
+            <a:r>
+              <a:rPr lang="ru-RU" sz="2200" b="0" i="0" u="none" strike="noStrike" cap="none" spc="0">
+                <a:solidFill>
+                  <a:schemeClr val="tx1"/>
+                </a:solidFill>
+                <a:latin typeface="Lohit Tamil Classical"/>
+                <a:ea typeface="Lohit Tamil Classical"/>
+                <a:cs typeface="Lohit Tamil Classical"/>
+              </a:rPr>
+              <a:t> </a:t>
+            </a:r>
+            <a:r>
+              <a:rPr sz="2200" b="0" i="0" u="none">
+                <a:solidFill>
+                  <a:schemeClr val="tx1"/>
+                </a:solidFill>
+                <a:latin typeface="Lohit Tamil Classical"/>
+                <a:ea typeface="Lohit Tamil Classical"/>
+                <a:cs typeface="Lohit Tamil Classical"/>
+              </a:rPr>
+              <a:t>февраля</a:t>
+            </a:r>
+            <a:r>
+              <a:rPr lang="ru-RU" sz="2200" b="0" i="0" u="none" strike="noStrike" cap="none" spc="0">
+                <a:solidFill>
+                  <a:schemeClr val="tx1"/>
+                </a:solidFill>
+                <a:latin typeface="Lohit Tamil Classical"/>
+                <a:ea typeface="Lohit Tamil Classical"/>
+                <a:cs typeface="Lohit Tamil Classical"/>
+              </a:rPr>
+              <a:t> </a:t>
+            </a:r>
+            <a:r>
+              <a:rPr sz="2200" b="0" i="0" u="none">
+                <a:solidFill>
+                  <a:schemeClr val="tx1"/>
+                </a:solidFill>
+                <a:latin typeface="Lohit Tamil Classical"/>
+                <a:ea typeface="Lohit Tamil Classical"/>
+                <a:cs typeface="Lohit Tamil Classical"/>
+              </a:rPr>
+              <a:t>2021</a:t>
+            </a:r>
+            <a:r>
+              <a:rPr lang="ru-RU" sz="2200" b="0" i="0" u="none" strike="noStrike" cap="none" spc="0">
+                <a:solidFill>
+                  <a:schemeClr val="tx1"/>
+                </a:solidFill>
+                <a:latin typeface="Lohit Tamil Classical"/>
+                <a:ea typeface="Lohit Tamil Classical"/>
+                <a:cs typeface="Lohit Tamil Classical"/>
+              </a:rPr>
+              <a:t> </a:t>
             </a:r>
             <a:r>
               <a:rPr sz="2200">
-                <a:latin typeface="Lohit Tamil Classical"/>
-                <a:ea typeface="Lohit Tamil Classical"/>
-                <a:cs typeface="Lohit Tamil Classical"/>
-              </a:rPr>
-              <a:t> года</a:t>
+                <a:solidFill>
+                  <a:schemeClr val="tx1"/>
+                </a:solidFill>
+                <a:latin typeface="Lohit Tamil Classical"/>
+                <a:ea typeface="Lohit Tamil Classical"/>
+                <a:cs typeface="Lohit Tamil Classical"/>
+              </a:rPr>
+              <a:t>года</a:t>
             </a:r>
             <a:endParaRPr sz="2200">
+              <a:solidFill>
+                <a:schemeClr val="tx1"/>
+              </a:solidFill>
               <a:latin typeface="Lohit Tamil Classical"/>
               <a:ea typeface="Lohit Tamil Classical"/>
               <a:cs typeface="Lohit Tamil Classical"/>
@@ -4263,14 +4652,86 @@
             </a:pPr>
             <a:r>
               <a:rPr sz="2200">
-                <a:latin typeface="Lohit Tamil Classical"/>
-                <a:ea typeface="Lohit Tamil Classical"/>
-                <a:cs typeface="Lohit Tamil Classical"/>
-              </a:rPr>
-              <a:t>Почти каждый месяц категория опасности вредного газа в среднем равна 3 (больше 16%), за исключение</a:t>
+                <a:solidFill>
+                  <a:schemeClr val="tx1"/>
+                </a:solidFill>
+                <a:latin typeface="Lohit Tamil Classical"/>
+                <a:ea typeface="Lohit Tamil Classical"/>
+                <a:cs typeface="Lohit Tamil Classical"/>
+              </a:rPr>
+              <a:t>Почти каждый месяц категория опасности вредного газа в</a:t>
+            </a:r>
+            <a:r>
+              <a:rPr lang="ru-RU" sz="2200" b="0" i="0" u="none" strike="noStrike" cap="none" spc="0">
+                <a:solidFill>
+                  <a:schemeClr val="tx1"/>
+                </a:solidFill>
+                <a:latin typeface="Lohit Tamil Classical"/>
+                <a:ea typeface="Lohit Tamil Classical"/>
+                <a:cs typeface="Lohit Tamil Classical"/>
+              </a:rPr>
+              <a:t> </a:t>
             </a:r>
             <a:r>
               <a:rPr sz="2200">
+                <a:solidFill>
+                  <a:schemeClr val="tx1"/>
+                </a:solidFill>
+                <a:latin typeface="Lohit Tamil Classical"/>
+                <a:ea typeface="Lohit Tamil Classical"/>
+                <a:cs typeface="Lohit Tamil Classical"/>
+              </a:rPr>
+              <a:t>среднем равна</a:t>
+            </a:r>
+            <a:r>
+              <a:rPr lang="ru-RU" sz="2200" b="0" i="0" u="none" strike="noStrike" cap="none" spc="0">
+                <a:solidFill>
+                  <a:schemeClr val="tx1"/>
+                </a:solidFill>
+                <a:latin typeface="Lohit Tamil Classical"/>
+                <a:ea typeface="Lohit Tamil Classical"/>
+                <a:cs typeface="Lohit Tamil Classical"/>
+              </a:rPr>
+              <a:t> </a:t>
+            </a:r>
+            <a:r>
+              <a:rPr sz="2200">
+                <a:solidFill>
+                  <a:schemeClr val="tx1"/>
+                </a:solidFill>
+                <a:latin typeface="Lohit Tamil Classical"/>
+                <a:ea typeface="Lohit Tamil Classical"/>
+                <a:cs typeface="Lohit Tamil Classical"/>
+              </a:rPr>
+              <a:t>3 (больше 16%), за</a:t>
+            </a:r>
+            <a:r>
+              <a:rPr lang="ru-RU" sz="2200" b="0" i="0" u="none" strike="noStrike" cap="none" spc="0">
+                <a:solidFill>
+                  <a:schemeClr val="tx1"/>
+                </a:solidFill>
+                <a:latin typeface="Lohit Tamil Classical"/>
+                <a:ea typeface="Lohit Tamil Classical"/>
+                <a:cs typeface="Lohit Tamil Classical"/>
+              </a:rPr>
+              <a:t> </a:t>
+            </a:r>
+            <a:r>
+              <a:rPr sz="2200">
+                <a:solidFill>
+                  <a:schemeClr val="tx1"/>
+                </a:solidFill>
+                <a:latin typeface="Lohit Tamil Classical"/>
+                <a:ea typeface="Lohit Tamil Classical"/>
+                <a:cs typeface="Lohit Tamil Classical"/>
+              </a:rPr>
+              <a:t>исключение</a:t>
+            </a:r>
+            <a:r>
+              <a:rPr sz="2200">
+                <a:solidFill>
+                  <a:schemeClr val="tx1"/>
+                </a:solidFill>
                 <a:latin typeface="Lohit Tamil Classical"/>
                 <a:ea typeface="Lohit Tamil Classical"/>
                 <a:cs typeface="Lohit Tamil Classical"/>
@@ -4280,7 +4741,7 @@
             <a:r>
               <a:rPr sz="2200" b="0" i="0" u="none">
                 <a:solidFill>
-                  <a:srgbClr val="1F1F1F"/>
+                  <a:schemeClr val="tx1"/>
                 </a:solidFill>
                 <a:latin typeface="Lohit Tamil Classical"/>
                 <a:ea typeface="Lohit Tamil Classical"/>
@@ -4289,14 +4750,53 @@
               <a:t>сентября-ноября 2022</a:t>
             </a:r>
             <a:r>
+              <a:rPr lang="ru-RU" sz="2200" b="0" i="0" u="none" strike="noStrike" cap="none" spc="0">
+                <a:solidFill>
+                  <a:schemeClr val="tx1"/>
+                </a:solidFill>
+                <a:latin typeface="Lohit Tamil Classical"/>
+                <a:ea typeface="Lohit Tamil Classical"/>
+                <a:cs typeface="Lohit Tamil Classical"/>
+              </a:rPr>
+              <a:t> </a:t>
+            </a:r>
+            <a:r>
               <a:rPr sz="2200">
-                <a:latin typeface="Lohit Tamil Classical"/>
-                <a:ea typeface="Lohit Tamil Classical"/>
-                <a:cs typeface="Lohit Tamil Classical"/>
-              </a:rPr>
-              <a:t> года (2 категория)</a:t>
+                <a:solidFill>
+                  <a:schemeClr val="tx1"/>
+                </a:solidFill>
+                <a:latin typeface="Lohit Tamil Classical"/>
+                <a:ea typeface="Lohit Tamil Classical"/>
+                <a:cs typeface="Lohit Tamil Classical"/>
+              </a:rPr>
+              <a:t>года (2</a:t>
+            </a:r>
+            <a:r>
+              <a:rPr lang="ru-RU" sz="2200" b="0" i="0" u="none" strike="noStrike" cap="none" spc="0">
+                <a:solidFill>
+                  <a:schemeClr val="tx1"/>
+                </a:solidFill>
+                <a:latin typeface="Lohit Tamil Classical"/>
+                <a:ea typeface="Lohit Tamil Classical"/>
+                <a:cs typeface="Lohit Tamil Classical"/>
+              </a:rPr>
+              <a:t> </a:t>
+            </a:r>
+            <a:r>
+              <a:rPr sz="2200">
+                <a:solidFill>
+                  <a:schemeClr val="tx1"/>
+                </a:solidFill>
+                <a:latin typeface="Lohit Tamil Classical"/>
+                <a:ea typeface="Lohit Tamil Classical"/>
+                <a:cs typeface="Lohit Tamil Classical"/>
+              </a:rPr>
+              <a:t>категория)</a:t>
             </a:r>
             <a:endParaRPr sz="2200">
+              <a:solidFill>
+                <a:schemeClr val="tx1"/>
+              </a:solidFill>
               <a:latin typeface="Lohit Tamil Classical"/>
               <a:cs typeface="Lohit Tamil Classical"/>
             </a:endParaRPr>
@@ -4362,7 +4862,7 @@
         </p:nvSpPr>
         <p:spPr bwMode="auto">
           <a:xfrm flipH="0" flipV="0">
-            <a:off x="905848" y="838198"/>
+            <a:off x="905847" y="838197"/>
             <a:ext cx="2646402" cy="823319"/>
           </a:xfrm>
           <a:prstGeom prst="rect">
@@ -4380,6 +4880,9 @@
             </a:pPr>
             <a:r>
               <a:rPr sz="4800">
+                <a:solidFill>
+                  <a:schemeClr val="tx1"/>
+                </a:solidFill>
                 <a:latin typeface="Lohit Tamil Classical"/>
                 <a:ea typeface="Lohit Tamil Classical"/>
                 <a:cs typeface="Lohit Tamil Classical"/>
@@ -4402,8 +4905,8 @@
         </p:nvSpPr>
         <p:spPr bwMode="auto">
           <a:xfrm flipH="0" flipV="0">
-            <a:off x="905848" y="2158184"/>
-            <a:ext cx="9065880" cy="2557610"/>
+            <a:off x="905845" y="2158182"/>
+            <a:ext cx="9071997" cy="2557611"/>
           </a:xfrm>
           <a:prstGeom prst="rect">
             <a:avLst/>
@@ -4426,18 +4929,40 @@
             <a:r>
               <a:rPr lang="ru-RU" sz="2200" b="0" i="0" u="none" strike="noStrike" cap="none" spc="0">
                 <a:solidFill>
-                  <a:srgbClr val="000000"/>
-                </a:solidFill>
-                <a:latin typeface="Lohit Tamil Classical"/>
-                <a:ea typeface="Lohit Tamil Classical"/>
-                <a:cs typeface="Lohit Tamil Classical"/>
-              </a:rPr>
-              <a:t>Изучили, как меняются средние значения входных и выходных параметров в зависимости от </a:t>
+                  <a:schemeClr val="tx1"/>
+                </a:solidFill>
+                <a:latin typeface="Lohit Tamil Classical"/>
+                <a:ea typeface="Lohit Tamil Classical"/>
+                <a:cs typeface="Lohit Tamil Classical"/>
+              </a:rPr>
+              <a:t>Изучили, как меняются средние значения входных и</a:t>
             </a:r>
             <a:r>
               <a:rPr lang="ru-RU" sz="2200" b="0" i="0" u="none" strike="noStrike" cap="none" spc="0">
                 <a:solidFill>
-                  <a:srgbClr val="000000"/>
+                  <a:schemeClr val="tx1"/>
+                </a:solidFill>
+                <a:latin typeface="Lohit Tamil Classical"/>
+                <a:ea typeface="Lohit Tamil Classical"/>
+                <a:cs typeface="Lohit Tamil Classical"/>
+              </a:rPr>
+              <a:t> </a:t>
+            </a:r>
+            <a:r>
+              <a:rPr lang="ru-RU" sz="2200" b="0" i="0" u="none" strike="noStrike" cap="none" spc="0">
+                <a:solidFill>
+                  <a:schemeClr val="tx1"/>
+                </a:solidFill>
+                <a:latin typeface="Lohit Tamil Classical"/>
+                <a:ea typeface="Lohit Tamil Classical"/>
+                <a:cs typeface="Lohit Tamil Classical"/>
+              </a:rPr>
+              <a:t>выходных параметров в зависимости от </a:t>
+            </a:r>
+            <a:r>
+              <a:rPr lang="ru-RU" sz="2200" b="0" i="0" u="none" strike="noStrike" cap="none" spc="0">
+                <a:solidFill>
+                  <a:schemeClr val="tx1"/>
                 </a:solidFill>
                 <a:latin typeface="Lohit Tamil Classical"/>
                 <a:ea typeface="Lohit Tamil Classical"/>
@@ -4448,7 +4973,7 @@
             <a:r>
               <a:rPr lang="ru-RU" sz="2200" b="0" i="0" u="none" strike="noStrike" cap="none" spc="0">
                 <a:solidFill>
-                  <a:srgbClr val="000000"/>
+                  <a:schemeClr val="tx1"/>
                 </a:solidFill>
                 <a:latin typeface="Lohit Tamil Classical"/>
                 <a:ea typeface="Lohit Tamil Classical"/>
@@ -4459,15 +4984,62 @@
             <a:r>
               <a:rPr lang="ru-RU" sz="2200" b="0" i="0" u="none" strike="noStrike" cap="none" spc="0">
                 <a:solidFill>
-                  <a:srgbClr val="000000"/>
-                </a:solidFill>
-                <a:latin typeface="Lohit Tamil Classical"/>
-                <a:ea typeface="Lohit Tamil Classical"/>
-                <a:cs typeface="Lohit Tamil Classical"/>
-              </a:rPr>
-              <a:t> (графики см. в дашборде)</a:t>
+                  <a:schemeClr val="tx1"/>
+                </a:solidFill>
+                <a:latin typeface="Lohit Tamil Classical"/>
+                <a:ea typeface="Lohit Tamil Classical"/>
+                <a:cs typeface="Lohit Tamil Classical"/>
+              </a:rPr>
+              <a:t> (все графики см.</a:t>
+            </a:r>
+            <a:r>
+              <a:rPr lang="ru-RU" sz="2200" b="0" i="0" u="none" strike="noStrike" cap="none" spc="0">
+                <a:solidFill>
+                  <a:schemeClr val="tx1"/>
+                </a:solidFill>
+                <a:latin typeface="Lohit Tamil Classical"/>
+                <a:ea typeface="Lohit Tamil Classical"/>
+                <a:cs typeface="Lohit Tamil Classical"/>
+              </a:rPr>
+              <a:t> </a:t>
+            </a:r>
+            <a:r>
+              <a:rPr lang="ru-RU" sz="2200" b="0" i="0" u="none" strike="noStrike" cap="none" spc="0">
+                <a:solidFill>
+                  <a:schemeClr val="tx1"/>
+                </a:solidFill>
+                <a:latin typeface="Lohit Tamil Classical"/>
+                <a:ea typeface="Lohit Tamil Classical"/>
+                <a:cs typeface="Lohit Tamil Classical"/>
+              </a:rPr>
+              <a:t>в</a:t>
+            </a:r>
+            <a:r>
+              <a:rPr lang="ru-RU" sz="2200" b="0" i="0" u="none" strike="noStrike" cap="none" spc="0">
+                <a:solidFill>
+                  <a:schemeClr val="tx1"/>
+                </a:solidFill>
+                <a:latin typeface="Lohit Tamil Classical"/>
+                <a:ea typeface="Lohit Tamil Classical"/>
+                <a:cs typeface="Lohit Tamil Classical"/>
+              </a:rPr>
+              <a:t> </a:t>
+            </a:r>
+            <a:r>
+              <a:rPr lang="ru-RU" sz="2200" b="0" i="0" u="none" strike="noStrike" cap="none" spc="0">
+                <a:solidFill>
+                  <a:schemeClr val="tx1"/>
+                </a:solidFill>
+                <a:latin typeface="Lohit Tamil Classical"/>
+                <a:ea typeface="Lohit Tamil Classical"/>
+                <a:cs typeface="Lohit Tamil Classical"/>
+              </a:rPr>
+              <a:t>дашборде)</a:t>
             </a:r>
             <a:endParaRPr sz="2200">
+              <a:solidFill>
+                <a:schemeClr val="tx1"/>
+              </a:solidFill>
               <a:latin typeface="Lohit Tamil Classical"/>
               <a:cs typeface="Lohit Tamil Classical"/>
             </a:endParaRPr>
@@ -4484,7 +5056,7 @@
             <a:r>
               <a:rPr lang="ru-RU" sz="2200" b="0" i="0" u="none" strike="noStrike" cap="none" spc="0">
                 <a:solidFill>
-                  <a:srgbClr val="000000"/>
+                  <a:schemeClr val="tx1"/>
                 </a:solidFill>
                 <a:latin typeface="Lohit Tamil Classical"/>
                 <a:ea typeface="Lohit Tamil Classical"/>
@@ -4495,15 +5067,84 @@
             <a:r>
               <a:rPr lang="ru-RU" sz="2200" b="0" i="0" u="none" strike="noStrike" cap="none" spc="0">
                 <a:solidFill>
-                  <a:srgbClr val="000000"/>
-                </a:solidFill>
-                <a:latin typeface="Lohit Tamil Classical"/>
-                <a:ea typeface="Lohit Tamil Classical"/>
-                <a:cs typeface="Lohit Tamil Classical"/>
-              </a:rPr>
-              <a:t> и отдельно выделили факторы, влияющие на процент сухого остатка и массу готового продукта</a:t>
+                  <a:schemeClr val="tx1"/>
+                </a:solidFill>
+                <a:latin typeface="Lohit Tamil Classical"/>
+                <a:ea typeface="Lohit Tamil Classical"/>
+                <a:cs typeface="Lohit Tamil Classical"/>
+              </a:rPr>
+              <a:t> и</a:t>
+            </a:r>
+            <a:r>
+              <a:rPr lang="ru-RU" sz="2200" b="0" i="0" u="none" strike="noStrike" cap="none" spc="0">
+                <a:solidFill>
+                  <a:schemeClr val="tx1"/>
+                </a:solidFill>
+                <a:latin typeface="Lohit Tamil Classical"/>
+                <a:ea typeface="Lohit Tamil Classical"/>
+                <a:cs typeface="Lohit Tamil Classical"/>
+              </a:rPr>
+              <a:t> </a:t>
+            </a:r>
+            <a:r>
+              <a:rPr lang="ru-RU" sz="2200" b="0" i="0" u="none" strike="noStrike" cap="none" spc="0">
+                <a:solidFill>
+                  <a:schemeClr val="tx1"/>
+                </a:solidFill>
+                <a:latin typeface="Lohit Tamil Classical"/>
+                <a:ea typeface="Lohit Tamil Classical"/>
+                <a:cs typeface="Lohit Tamil Classical"/>
+              </a:rPr>
+              <a:t>отдельно выделили факторы, влияющие на</a:t>
+            </a:r>
+            <a:r>
+              <a:rPr lang="ru-RU" sz="2200" b="0" i="0" u="none" strike="noStrike" cap="none" spc="0">
+                <a:solidFill>
+                  <a:schemeClr val="tx1"/>
+                </a:solidFill>
+                <a:latin typeface="Lohit Tamil Classical"/>
+                <a:ea typeface="Lohit Tamil Classical"/>
+                <a:cs typeface="Lohit Tamil Classical"/>
+              </a:rPr>
+              <a:t> </a:t>
+            </a:r>
+            <a:r>
+              <a:rPr lang="ru-RU" sz="2200" b="0" i="0" u="none" strike="noStrike" cap="none" spc="0">
+                <a:solidFill>
+                  <a:schemeClr val="tx1"/>
+                </a:solidFill>
+                <a:latin typeface="Lohit Tamil Classical"/>
+                <a:ea typeface="Lohit Tamil Classical"/>
+                <a:cs typeface="Lohit Tamil Classical"/>
+              </a:rPr>
+              <a:t>процент сухого остатка и</a:t>
+            </a:r>
+            <a:r>
+              <a:rPr lang="ru-RU" sz="2200" b="0" i="0" u="none" strike="noStrike" cap="none" spc="0">
+                <a:solidFill>
+                  <a:schemeClr val="tx1"/>
+                </a:solidFill>
+                <a:latin typeface="Lohit Tamil Classical"/>
+                <a:ea typeface="Lohit Tamil Classical"/>
+                <a:cs typeface="Lohit Tamil Classical"/>
+              </a:rPr>
+              <a:t> </a:t>
+            </a:r>
+            <a:r>
+              <a:rPr lang="ru-RU" sz="2200" b="0" i="0" u="none" strike="noStrike" cap="none" spc="0">
+                <a:solidFill>
+                  <a:schemeClr val="tx1"/>
+                </a:solidFill>
+                <a:latin typeface="Lohit Tamil Classical"/>
+                <a:ea typeface="Lohit Tamil Classical"/>
+                <a:cs typeface="Lohit Tamil Classical"/>
+              </a:rPr>
+              <a:t>массу готового продукта</a:t>
             </a:r>
             <a:endParaRPr sz="2200">
+              <a:solidFill>
+                <a:schemeClr val="tx1"/>
+              </a:solidFill>
               <a:latin typeface="Lohit Tamil Classical"/>
               <a:cs typeface="Lohit Tamil Classical"/>
             </a:endParaRPr>
@@ -4575,7 +5216,7 @@
         </p:nvSpPr>
         <p:spPr bwMode="auto">
           <a:xfrm flipH="0" flipV="0">
-            <a:off x="905848" y="838198"/>
+            <a:off x="905847" y="838197"/>
             <a:ext cx="5585450" cy="823319"/>
           </a:xfrm>
           <a:prstGeom prst="rect">
@@ -4593,6 +5234,9 @@
             </a:pPr>
             <a:r>
               <a:rPr sz="4800">
+                <a:solidFill>
+                  <a:schemeClr val="tx1"/>
+                </a:solidFill>
                 <a:latin typeface="Lohit Tamil Classical"/>
                 <a:ea typeface="Lohit Tamil Classical"/>
                 <a:cs typeface="Lohit Tamil Classical"/>
@@ -4600,6 +5244,9 @@
               <a:t>Проверка гипотез</a:t>
             </a:r>
             <a:endParaRPr sz="4800">
+              <a:solidFill>
+                <a:schemeClr val="tx1"/>
+              </a:solidFill>
               <a:latin typeface="Lohit Tamil Classical"/>
               <a:ea typeface="Lohit Tamil Classical"/>
               <a:cs typeface="Lohit Tamil Classical"/>
@@ -4615,8 +5262,8 @@
         </p:nvSpPr>
         <p:spPr bwMode="auto">
           <a:xfrm flipH="0" flipV="0">
-            <a:off x="905847" y="2158183"/>
-            <a:ext cx="9615764" cy="2405211"/>
+            <a:off x="905845" y="2158182"/>
+            <a:ext cx="9621162" cy="2405211"/>
           </a:xfrm>
           <a:prstGeom prst="rect">
             <a:avLst/>
@@ -4639,7 +5286,7 @@
             <a:r>
               <a:rPr sz="2200" b="0" i="0" u="none">
                 <a:solidFill>
-                  <a:srgbClr val="1F1F1F"/>
+                  <a:schemeClr val="tx1"/>
                 </a:solidFill>
                 <a:latin typeface="Lohit Tamil Classical"/>
                 <a:ea typeface="Lohit Tamil Classical"/>
@@ -4648,6 +5295,9 @@
               <a:t>Есть ли различия в доле опасного газа от смены?</a:t>
             </a:r>
             <a:endParaRPr sz="2200">
+              <a:solidFill>
+                <a:schemeClr val="tx1"/>
+              </a:solidFill>
               <a:latin typeface="Lohit Tamil Classical"/>
               <a:cs typeface="Lohit Tamil Classical"/>
             </a:endParaRPr>
@@ -4664,7 +5314,7 @@
             <a:r>
               <a:rPr sz="2200" b="0" i="0" u="none">
                 <a:solidFill>
-                  <a:srgbClr val="1F1F1F"/>
+                  <a:schemeClr val="tx1"/>
                 </a:solidFill>
                 <a:latin typeface="Lohit Tamil Classical"/>
                 <a:ea typeface="Lohit Tamil Classical"/>
@@ -4675,17 +5325,61 @@
             <a:r>
               <a:rPr sz="2200" b="0" i="0" u="none">
                 <a:solidFill>
-                  <a:srgbClr val="1F1F1F"/>
-                </a:solidFill>
-                <a:latin typeface="Lohit Tamil Classical"/>
-                <a:ea typeface="Lohit Tamil Classical"/>
-                <a:cs typeface="Lohit Tamil Classical"/>
-              </a:rPr>
-              <a:t>на этапе 3? Считать, что высокая температура хуже</a:t>
+                  <a:schemeClr val="tx1"/>
+                </a:solidFill>
+                <a:latin typeface="Lohit Tamil Classical"/>
+                <a:ea typeface="Lohit Tamil Classical"/>
+                <a:cs typeface="Lohit Tamil Classical"/>
+              </a:rPr>
+              <a:t>на</a:t>
+            </a:r>
+            <a:r>
+              <a:rPr lang="ru-RU" sz="2200" b="0" i="0" u="none" strike="noStrike" cap="none" spc="0">
+                <a:solidFill>
+                  <a:schemeClr val="tx1"/>
+                </a:solidFill>
+                <a:latin typeface="Lohit Tamil Classical"/>
+                <a:ea typeface="Lohit Tamil Classical"/>
+                <a:cs typeface="Lohit Tamil Classical"/>
+              </a:rPr>
+              <a:t> </a:t>
+            </a:r>
+            <a:r>
+              <a:rPr sz="2200" b="0" i="0" u="none">
+                <a:solidFill>
+                  <a:schemeClr val="tx1"/>
+                </a:solidFill>
+                <a:latin typeface="Lohit Tamil Classical"/>
+                <a:ea typeface="Lohit Tamil Classical"/>
+                <a:cs typeface="Lohit Tamil Classical"/>
+              </a:rPr>
+              <a:t>этапе</a:t>
+            </a:r>
+            <a:r>
+              <a:rPr lang="ru-RU" sz="2200" b="0" i="0" u="none" strike="noStrike" cap="none" spc="0">
+                <a:solidFill>
+                  <a:schemeClr val="tx1"/>
+                </a:solidFill>
+                <a:latin typeface="Lohit Tamil Classical"/>
+                <a:ea typeface="Lohit Tamil Classical"/>
+                <a:cs typeface="Lohit Tamil Classical"/>
+              </a:rPr>
+              <a:t> </a:t>
+            </a:r>
+            <a:r>
+              <a:rPr sz="2200" b="0" i="0" u="none">
+                <a:solidFill>
+                  <a:schemeClr val="tx1"/>
+                </a:solidFill>
+                <a:latin typeface="Lohit Tamil Classical"/>
+                <a:ea typeface="Lohit Tamil Classical"/>
+                <a:cs typeface="Lohit Tamil Classical"/>
+              </a:rPr>
+              <a:t>3? Считать, что высокая температура хуже</a:t>
             </a:r>
             <a:endParaRPr sz="2200" b="0" i="0" u="none">
               <a:solidFill>
-                <a:srgbClr val="1F1F1F"/>
+                <a:schemeClr val="tx1"/>
               </a:solidFill>
               <a:latin typeface="Lohit Tamil Classical"/>
               <a:ea typeface="Lohit Tamil Classical"/>
@@ -4704,15 +5398,84 @@
             <a:r>
               <a:rPr sz="2200" b="0" i="0" u="none">
                 <a:solidFill>
-                  <a:srgbClr val="1F1F1F"/>
-                </a:solidFill>
-                <a:latin typeface="Lohit Tamil Classical"/>
-                <a:ea typeface="Lohit Tamil Classical"/>
-                <a:cs typeface="Lohit Tamil Classical"/>
-              </a:rPr>
-              <a:t>Конверсия мономера на 1 этапе влияет на количество подаваемой суммарной воды</a:t>
+                  <a:schemeClr val="tx1"/>
+                </a:solidFill>
+                <a:latin typeface="Lohit Tamil Classical"/>
+                <a:ea typeface="Lohit Tamil Classical"/>
+                <a:cs typeface="Lohit Tamil Classical"/>
+              </a:rPr>
+              <a:t>Конверсия мономера на</a:t>
+            </a:r>
+            <a:r>
+              <a:rPr lang="ru-RU" sz="2200" b="0" i="0" u="none" strike="noStrike" cap="none" spc="0">
+                <a:solidFill>
+                  <a:schemeClr val="tx1"/>
+                </a:solidFill>
+                <a:latin typeface="Lohit Tamil Classical"/>
+                <a:ea typeface="Lohit Tamil Classical"/>
+                <a:cs typeface="Lohit Tamil Classical"/>
+              </a:rPr>
+              <a:t> </a:t>
+            </a:r>
+            <a:r>
+              <a:rPr sz="2200" b="0" i="0" u="none">
+                <a:solidFill>
+                  <a:schemeClr val="tx1"/>
+                </a:solidFill>
+                <a:latin typeface="Lohit Tamil Classical"/>
+                <a:ea typeface="Lohit Tamil Classical"/>
+                <a:cs typeface="Lohit Tamil Classical"/>
+              </a:rPr>
+              <a:t>1</a:t>
+            </a:r>
+            <a:r>
+              <a:rPr lang="ru-RU" sz="2200" b="0" i="0" u="none" strike="noStrike" cap="none" spc="0">
+                <a:solidFill>
+                  <a:schemeClr val="tx1"/>
+                </a:solidFill>
+                <a:latin typeface="Lohit Tamil Classical"/>
+                <a:ea typeface="Lohit Tamil Classical"/>
+                <a:cs typeface="Lohit Tamil Classical"/>
+              </a:rPr>
+              <a:t> </a:t>
+            </a:r>
+            <a:r>
+              <a:rPr sz="2200" b="0" i="0" u="none">
+                <a:solidFill>
+                  <a:schemeClr val="tx1"/>
+                </a:solidFill>
+                <a:latin typeface="Lohit Tamil Classical"/>
+                <a:ea typeface="Lohit Tamil Classical"/>
+                <a:cs typeface="Lohit Tamil Classical"/>
+              </a:rPr>
+              <a:t>этапе влияет на</a:t>
+            </a:r>
+            <a:r>
+              <a:rPr lang="ru-RU" sz="2200" b="0" i="0" u="none" strike="noStrike" cap="none" spc="0">
+                <a:solidFill>
+                  <a:schemeClr val="tx1"/>
+                </a:solidFill>
+                <a:latin typeface="Lohit Tamil Classical"/>
+                <a:ea typeface="Lohit Tamil Classical"/>
+                <a:cs typeface="Lohit Tamil Classical"/>
+              </a:rPr>
+              <a:t> </a:t>
+            </a:r>
+            <a:r>
+              <a:rPr sz="2200" b="0" i="0" u="none">
+                <a:solidFill>
+                  <a:schemeClr val="tx1"/>
+                </a:solidFill>
+                <a:latin typeface="Lohit Tamil Classical"/>
+                <a:ea typeface="Lohit Tamil Classical"/>
+                <a:cs typeface="Lohit Tamil Classical"/>
+              </a:rPr>
+              <a:t>количество подаваемой суммарной воды</a:t>
             </a:r>
             <a:endParaRPr sz="2200">
+              <a:solidFill>
+                <a:schemeClr val="tx1"/>
+              </a:solidFill>
               <a:latin typeface="Lohit Tamil Classical"/>
               <a:cs typeface="Lohit Tamil Classical"/>
             </a:endParaRPr>
@@ -4729,7 +5492,7 @@
             <a:r>
               <a:rPr sz="2200" b="0" i="0" u="none">
                 <a:solidFill>
-                  <a:srgbClr val="1F1F1F"/>
+                  <a:schemeClr val="tx1"/>
                 </a:solidFill>
                 <a:latin typeface="Lohit Tamil Classical"/>
                 <a:ea typeface="Lohit Tamil Classical"/>
@@ -4740,17 +5503,61 @@
             <a:r>
               <a:rPr sz="2200" b="0" i="0" u="none">
                 <a:solidFill>
-                  <a:srgbClr val="1F1F1F"/>
-                </a:solidFill>
-                <a:latin typeface="Lohit Tamil Classical"/>
-                <a:ea typeface="Lohit Tamil Classical"/>
-                <a:cs typeface="Lohit Tamil Classical"/>
-              </a:rPr>
-              <a:t>одного продукта связано с долей опасного газа</a:t>
+                  <a:schemeClr val="tx1"/>
+                </a:solidFill>
+                <a:latin typeface="Lohit Tamil Classical"/>
+                <a:ea typeface="Lohit Tamil Classical"/>
+                <a:cs typeface="Lohit Tamil Classical"/>
+              </a:rPr>
+              <a:t>одного продукта связано с</a:t>
+            </a:r>
+            <a:r>
+              <a:rPr lang="ru-RU" sz="2200" b="0" i="0" u="none" strike="noStrike" cap="none" spc="0">
+                <a:solidFill>
+                  <a:schemeClr val="tx1"/>
+                </a:solidFill>
+                <a:latin typeface="Lohit Tamil Classical"/>
+                <a:ea typeface="Lohit Tamil Classical"/>
+                <a:cs typeface="Lohit Tamil Classical"/>
+              </a:rPr>
+              <a:t> </a:t>
+            </a:r>
+            <a:r>
+              <a:rPr sz="2200" b="0" i="0" u="none">
+                <a:solidFill>
+                  <a:schemeClr val="tx1"/>
+                </a:solidFill>
+                <a:latin typeface="Lohit Tamil Classical"/>
+                <a:ea typeface="Lohit Tamil Classical"/>
+                <a:cs typeface="Lohit Tamil Classical"/>
+              </a:rPr>
+              <a:t>долей опасного</a:t>
+            </a:r>
+            <a:r>
+              <a:rPr lang="ru-RU" sz="2200" b="0" i="0" u="none" strike="noStrike" cap="none" spc="0">
+                <a:solidFill>
+                  <a:schemeClr val="tx1"/>
+                </a:solidFill>
+                <a:latin typeface="Lohit Tamil Classical"/>
+                <a:ea typeface="Lohit Tamil Classical"/>
+                <a:cs typeface="Lohit Tamil Classical"/>
+              </a:rPr>
+              <a:t> </a:t>
+            </a:r>
+            <a:r>
+              <a:rPr sz="2200" b="0" i="0" u="none">
+                <a:solidFill>
+                  <a:schemeClr val="tx1"/>
+                </a:solidFill>
+                <a:latin typeface="Lohit Tamil Classical"/>
+                <a:ea typeface="Lohit Tamil Classical"/>
+                <a:cs typeface="Lohit Tamil Classical"/>
+              </a:rPr>
+              <a:t>газа</a:t>
             </a:r>
             <a:endParaRPr sz="2200" b="0" i="0" u="none">
               <a:solidFill>
-                <a:srgbClr val="1F1F1F"/>
+                <a:schemeClr val="tx1"/>
               </a:solidFill>
               <a:latin typeface="Lohit Tamil Classical"/>
               <a:cs typeface="Lohit Tamil Classical"/>
@@ -4817,8 +5624,8 @@
         </p:nvSpPr>
         <p:spPr bwMode="auto">
           <a:xfrm flipH="0" flipV="0">
-            <a:off x="905847" y="838197"/>
-            <a:ext cx="5585449" cy="823318"/>
+            <a:off x="905846" y="838197"/>
+            <a:ext cx="5585450" cy="823319"/>
           </a:xfrm>
           <a:prstGeom prst="rect">
             <a:avLst/>
@@ -4835,6 +5642,9 @@
             </a:pPr>
             <a:r>
               <a:rPr sz="4800">
+                <a:solidFill>
+                  <a:schemeClr val="tx1"/>
+                </a:solidFill>
                 <a:latin typeface="Lohit Tamil Classical"/>
                 <a:ea typeface="Lohit Tamil Classical"/>
                 <a:cs typeface="Lohit Tamil Classical"/>
@@ -4842,6 +5652,9 @@
               <a:t>Проверка гипотез</a:t>
             </a:r>
             <a:endParaRPr sz="4800">
+              <a:solidFill>
+                <a:schemeClr val="tx1"/>
+              </a:solidFill>
               <a:latin typeface="Lohit Tamil Classical"/>
               <a:ea typeface="Lohit Tamil Classical"/>
               <a:cs typeface="Lohit Tamil Classical"/>
@@ -4857,8 +5670,8 @@
         </p:nvSpPr>
         <p:spPr bwMode="auto">
           <a:xfrm flipH="0" flipV="0">
-            <a:off x="905847" y="2158183"/>
-            <a:ext cx="9626204" cy="2790780"/>
+            <a:off x="905845" y="2158182"/>
+            <a:ext cx="9638082" cy="2790780"/>
           </a:xfrm>
           <a:prstGeom prst="rect">
             <a:avLst/>
@@ -4887,18 +5700,62 @@
             <a:r>
               <a:rPr sz="2200" b="0" i="0" u="none">
                 <a:solidFill>
-                  <a:srgbClr val="1F1F1F"/>
-                </a:solidFill>
-                <a:latin typeface="Lohit Tamil Classical"/>
-                <a:ea typeface="Lohit Tamil Classical"/>
-                <a:cs typeface="Lohit Tamil Classical"/>
-              </a:rPr>
-              <a:t>Большое кол-во подаваемого пара на 3 стадии влечёт </a:t>
+                  <a:schemeClr val="tx1"/>
+                </a:solidFill>
+                <a:latin typeface="Lohit Tamil Classical"/>
+                <a:ea typeface="Lohit Tamil Classical"/>
+                <a:cs typeface="Lohit Tamil Classical"/>
+              </a:rPr>
+              <a:t>Большое кол-во подаваемого пара на</a:t>
+            </a:r>
+            <a:r>
+              <a:rPr lang="ru-RU" sz="2200" b="0" i="0" u="none" strike="noStrike" cap="none" spc="0">
+                <a:solidFill>
+                  <a:schemeClr val="tx1"/>
+                </a:solidFill>
+                <a:latin typeface="Lohit Tamil Classical"/>
+                <a:ea typeface="Lohit Tamil Classical"/>
+                <a:cs typeface="Lohit Tamil Classical"/>
+              </a:rPr>
+              <a:t> </a:t>
             </a:r>
             <a:r>
               <a:rPr sz="2200" b="0" i="0" u="none">
                 <a:solidFill>
-                  <a:srgbClr val="1F1F1F"/>
+                  <a:schemeClr val="tx1"/>
+                </a:solidFill>
+                <a:latin typeface="Lohit Tamil Classical"/>
+                <a:ea typeface="Lohit Tamil Classical"/>
+                <a:cs typeface="Lohit Tamil Classical"/>
+              </a:rPr>
+              <a:t>3</a:t>
+            </a:r>
+            <a:r>
+              <a:rPr lang="ru-RU" sz="2200" b="0" i="0" u="none" strike="noStrike" cap="none" spc="0">
+                <a:solidFill>
+                  <a:schemeClr val="tx1"/>
+                </a:solidFill>
+                <a:latin typeface="Lohit Tamil Classical"/>
+                <a:ea typeface="Lohit Tamil Classical"/>
+                <a:cs typeface="Lohit Tamil Classical"/>
+              </a:rPr>
+              <a:t> </a:t>
+            </a:r>
+            <a:r>
+              <a:rPr sz="2200" b="0" i="0" u="none">
+                <a:solidFill>
+                  <a:schemeClr val="tx1"/>
+                </a:solidFill>
+                <a:latin typeface="Lohit Tamil Classical"/>
+                <a:ea typeface="Lohit Tamil Classical"/>
+                <a:cs typeface="Lohit Tamil Classical"/>
+              </a:rPr>
+              <a:t>стадии влечёт </a:t>
+            </a:r>
+            <a:r>
+              <a:rPr sz="2200" b="0" i="0" u="none">
+                <a:solidFill>
+                  <a:schemeClr val="tx1"/>
                 </a:solidFill>
                 <a:latin typeface="Lohit Tamil Classical"/>
                 <a:ea typeface="Lohit Tamil Classical"/>
@@ -4909,7 +5766,7 @@
             <a:r>
               <a:rPr sz="2200" b="0" i="0" u="none">
                 <a:solidFill>
-                  <a:srgbClr val="333333"/>
+                  <a:schemeClr val="tx1"/>
                 </a:solidFill>
                 <a:latin typeface="Lohit Tamil Classical"/>
                 <a:ea typeface="Lohit Tamil Classical"/>
@@ -4920,7 +5777,7 @@
             <a:r>
               <a:rPr sz="2200" b="0" i="0" u="none">
                 <a:solidFill>
-                  <a:srgbClr val="1F1F1F"/>
+                  <a:schemeClr val="tx1"/>
                 </a:solidFill>
                 <a:latin typeface="Lohit Tamil Classical"/>
                 <a:ea typeface="Lohit Tamil Classical"/>
@@ -4931,7 +5788,7 @@
             <a:r>
               <a:rPr sz="2200" b="0" i="0" u="none">
                 <a:solidFill>
-                  <a:srgbClr val="1F1F1F"/>
+                  <a:schemeClr val="tx1"/>
                 </a:solidFill>
                 <a:latin typeface="Lohit Tamil Classical"/>
                 <a:ea typeface="Lohit Tamil Classical"/>
@@ -4941,7 +5798,7 @@
             </a:r>
             <a:endParaRPr sz="2200" b="0" i="0" u="none">
               <a:solidFill>
-                <a:srgbClr val="1F1F1F"/>
+                <a:schemeClr val="tx1"/>
               </a:solidFill>
               <a:latin typeface="Lohit Tamil Classical"/>
               <a:cs typeface="Lohit Tamil Classical"/>
@@ -4965,15 +5822,150 @@
             <a:r>
               <a:rPr sz="2200" b="0" i="0" u="none">
                 <a:solidFill>
-                  <a:srgbClr val="1F1F1F"/>
-                </a:solidFill>
-                <a:latin typeface="Lohit Tamil Classical"/>
-                <a:ea typeface="Lohit Tamil Classical"/>
-                <a:cs typeface="Lohit Tamil Classical"/>
-              </a:rPr>
-              <a:t>Большой процент сухого остатка и большая масса готового продукта возможны ТОЛЬКО при достаточно высокой температуре верха в агрегате на 3 стадии</a:t>
+                  <a:schemeClr val="tx1"/>
+                </a:solidFill>
+                <a:latin typeface="Lohit Tamil Classical"/>
+                <a:ea typeface="Lohit Tamil Classical"/>
+                <a:cs typeface="Lohit Tamil Classical"/>
+              </a:rPr>
+              <a:t>Большой процент сухого остатка и</a:t>
+            </a:r>
+            <a:r>
+              <a:rPr lang="ru-RU" sz="2200" b="0" i="0" u="none" strike="noStrike" cap="none" spc="0">
+                <a:solidFill>
+                  <a:schemeClr val="tx1"/>
+                </a:solidFill>
+                <a:latin typeface="Lohit Tamil Classical"/>
+                <a:ea typeface="Lohit Tamil Classical"/>
+                <a:cs typeface="Lohit Tamil Classical"/>
+              </a:rPr>
+              <a:t> </a:t>
+            </a:r>
+            <a:r>
+              <a:rPr sz="2200" b="0" i="0" u="none">
+                <a:solidFill>
+                  <a:schemeClr val="tx1"/>
+                </a:solidFill>
+                <a:latin typeface="Lohit Tamil Classical"/>
+                <a:ea typeface="Lohit Tamil Classical"/>
+                <a:cs typeface="Lohit Tamil Classical"/>
+              </a:rPr>
+              <a:t>большая масса готового продукта возможны </a:t>
+            </a:r>
+            <a:r>
+              <a:rPr sz="2200" b="0" i="0" u="sng">
+                <a:solidFill>
+                  <a:schemeClr val="tx1"/>
+                </a:solidFill>
+                <a:latin typeface="Lohit Tamil Classical"/>
+                <a:ea typeface="Lohit Tamil Classical"/>
+                <a:cs typeface="Lohit Tamil Classical"/>
+              </a:rPr>
+              <a:t>только</a:t>
+            </a:r>
+            <a:r>
+              <a:rPr sz="2200" b="0" i="0" u="none">
+                <a:solidFill>
+                  <a:schemeClr val="tx1"/>
+                </a:solidFill>
+                <a:latin typeface="Lohit Tamil Classical"/>
+                <a:ea typeface="Lohit Tamil Classical"/>
+                <a:cs typeface="Lohit Tamil Classical"/>
+              </a:rPr>
+              <a:t> при</a:t>
+            </a:r>
+            <a:r>
+              <a:rPr lang="ru-RU" sz="2200" b="0" i="0" u="none" strike="noStrike" cap="none" spc="0">
+                <a:solidFill>
+                  <a:schemeClr val="tx1"/>
+                </a:solidFill>
+                <a:latin typeface="Lohit Tamil Classical"/>
+                <a:ea typeface="Lohit Tamil Classical"/>
+                <a:cs typeface="Lohit Tamil Classical"/>
+              </a:rPr>
+              <a:t> </a:t>
+            </a:r>
+            <a:r>
+              <a:rPr sz="2200" b="0" i="0" u="none">
+                <a:solidFill>
+                  <a:schemeClr val="tx1"/>
+                </a:solidFill>
+                <a:latin typeface="Lohit Tamil Classical"/>
+                <a:ea typeface="Lohit Tamil Classical"/>
+                <a:cs typeface="Lohit Tamil Classical"/>
+              </a:rPr>
+              <a:t>достаточно высокой температуре верха в</a:t>
+            </a:r>
+            <a:r>
+              <a:rPr lang="ru-RU" sz="2200" b="0" i="0" u="none" strike="noStrike" cap="none" spc="0">
+                <a:solidFill>
+                  <a:schemeClr val="tx1"/>
+                </a:solidFill>
+                <a:latin typeface="Lohit Tamil Classical"/>
+                <a:ea typeface="Lohit Tamil Classical"/>
+                <a:cs typeface="Lohit Tamil Classical"/>
+              </a:rPr>
+              <a:t> </a:t>
+            </a:r>
+            <a:r>
+              <a:rPr sz="2200" b="0" i="0" u="none">
+                <a:solidFill>
+                  <a:schemeClr val="tx1"/>
+                </a:solidFill>
+                <a:latin typeface="Lohit Tamil Classical"/>
+                <a:ea typeface="Lohit Tamil Classical"/>
+                <a:cs typeface="Lohit Tamil Classical"/>
+              </a:rPr>
+              <a:t>агрегате на</a:t>
+            </a:r>
+            <a:r>
+              <a:rPr lang="ru-RU" sz="2200" b="0" i="0" u="none" strike="noStrike" cap="none" spc="0">
+                <a:solidFill>
+                  <a:schemeClr val="tx1"/>
+                </a:solidFill>
+                <a:latin typeface="Lohit Tamil Classical"/>
+                <a:ea typeface="Lohit Tamil Classical"/>
+                <a:cs typeface="Lohit Tamil Classical"/>
+              </a:rPr>
+              <a:t> </a:t>
+            </a:r>
+            <a:r>
+              <a:rPr sz="2200" b="0" i="0" u="none">
+                <a:solidFill>
+                  <a:schemeClr val="tx1"/>
+                </a:solidFill>
+                <a:latin typeface="Lohit Tamil Classical"/>
+                <a:ea typeface="Lohit Tamil Classical"/>
+                <a:cs typeface="Lohit Tamil Classical"/>
+              </a:rPr>
+              <a:t>3</a:t>
+            </a:r>
+            <a:r>
+              <a:rPr lang="ru-RU" sz="2200" b="0" i="0" u="none" strike="noStrike" cap="none" spc="0">
+                <a:solidFill>
+                  <a:schemeClr val="tx1"/>
+                </a:solidFill>
+                <a:latin typeface="Lohit Tamil Classical"/>
+                <a:ea typeface="Lohit Tamil Classical"/>
+                <a:cs typeface="Lohit Tamil Classical"/>
+              </a:rPr>
+              <a:t> </a:t>
+            </a:r>
+            <a:r>
+              <a:rPr sz="2200" b="0" i="0" u="none">
+                <a:solidFill>
+                  <a:schemeClr val="tx1"/>
+                </a:solidFill>
+                <a:latin typeface="Lohit Tamil Classical"/>
+                <a:ea typeface="Lohit Tamil Classical"/>
+                <a:cs typeface="Lohit Tamil Classical"/>
+              </a:rPr>
+              <a:t>стадии</a:t>
             </a:r>
             <a:endParaRPr sz="2200">
+              <a:solidFill>
+                <a:schemeClr val="tx1"/>
+              </a:solidFill>
               <a:latin typeface="Lohit Tamil Classical"/>
               <a:cs typeface="Lohit Tamil Classical"/>
             </a:endParaRPr>
@@ -4996,15 +5988,95 @@
             <a:r>
               <a:rPr sz="2200" b="0" i="0" u="none">
                 <a:solidFill>
-                  <a:srgbClr val="1F1F1F"/>
-                </a:solidFill>
-                <a:latin typeface="Lohit Tamil Classical"/>
-                <a:ea typeface="Lohit Tamil Classical"/>
-                <a:cs typeface="Lohit Tamil Classical"/>
-              </a:rPr>
-              <a:t>Большое кол-во вакуума на 2 стадии НЕ даёт большой процент сухого остатка</a:t>
+                  <a:schemeClr val="tx1"/>
+                </a:solidFill>
+                <a:latin typeface="Lohit Tamil Classical"/>
+                <a:ea typeface="Lohit Tamil Classical"/>
+                <a:cs typeface="Lohit Tamil Classical"/>
+              </a:rPr>
+              <a:t>Большое кол-во вакуума на</a:t>
+            </a:r>
+            <a:r>
+              <a:rPr lang="ru-RU" sz="2200" b="0" i="0" u="none" strike="noStrike" cap="none" spc="0">
+                <a:solidFill>
+                  <a:schemeClr val="tx1"/>
+                </a:solidFill>
+                <a:latin typeface="Lohit Tamil Classical"/>
+                <a:ea typeface="Lohit Tamil Classical"/>
+                <a:cs typeface="Lohit Tamil Classical"/>
+              </a:rPr>
+              <a:t> </a:t>
+            </a:r>
+            <a:r>
+              <a:rPr sz="2200" b="0" i="0" u="none">
+                <a:solidFill>
+                  <a:schemeClr val="tx1"/>
+                </a:solidFill>
+                <a:latin typeface="Lohit Tamil Classical"/>
+                <a:ea typeface="Lohit Tamil Classical"/>
+                <a:cs typeface="Lohit Tamil Classical"/>
+              </a:rPr>
+              <a:t>2</a:t>
+            </a:r>
+            <a:r>
+              <a:rPr lang="ru-RU" sz="2200" b="0" i="0" u="none" strike="noStrike" cap="none" spc="0">
+                <a:solidFill>
+                  <a:schemeClr val="tx1"/>
+                </a:solidFill>
+                <a:latin typeface="Lohit Tamil Classical"/>
+                <a:ea typeface="Lohit Tamil Classical"/>
+                <a:cs typeface="Lohit Tamil Classical"/>
+              </a:rPr>
+              <a:t> </a:t>
+            </a:r>
+            <a:r>
+              <a:rPr sz="2200" b="0" i="0" u="none">
+                <a:solidFill>
+                  <a:schemeClr val="tx1"/>
+                </a:solidFill>
+                <a:latin typeface="Lohit Tamil Classical"/>
+                <a:ea typeface="Lohit Tamil Classical"/>
+                <a:cs typeface="Lohit Tamil Classical"/>
+              </a:rPr>
+              <a:t>стадии </a:t>
+            </a:r>
+            <a:r>
+              <a:rPr sz="2200" b="0" i="0" u="sng">
+                <a:solidFill>
+                  <a:schemeClr val="tx1"/>
+                </a:solidFill>
+                <a:latin typeface="Lohit Tamil Classical"/>
+                <a:ea typeface="Lohit Tamil Classical"/>
+                <a:cs typeface="Lohit Tamil Classical"/>
+              </a:rPr>
+              <a:t>не</a:t>
+            </a:r>
+            <a:r>
+              <a:rPr lang="ru-RU" sz="2200" b="0" i="0" u="none" strike="noStrike" cap="none" spc="0">
+                <a:solidFill>
+                  <a:schemeClr val="tx1"/>
+                </a:solidFill>
+                <a:latin typeface="Lohit Tamil Classical"/>
+                <a:ea typeface="Lohit Tamil Classical"/>
+                <a:cs typeface="Lohit Tamil Classical"/>
+              </a:rPr>
+              <a:t> </a:t>
+            </a:r>
+            <a:r>
+              <a:rPr sz="2200" b="0" i="0" u="none">
+                <a:solidFill>
+                  <a:schemeClr val="tx1"/>
+                </a:solidFill>
+                <a:latin typeface="Lohit Tamil Classical"/>
+                <a:ea typeface="Lohit Tamil Classical"/>
+                <a:cs typeface="Lohit Tamil Classical"/>
+              </a:rPr>
+              <a:t>даёт большой процент сухого остатка</a:t>
             </a:r>
             <a:endParaRPr sz="2200">
+              <a:solidFill>
+                <a:schemeClr val="tx1"/>
+              </a:solidFill>
               <a:latin typeface="Lohit Tamil Classical"/>
               <a:cs typeface="Lohit Tamil Classical"/>
             </a:endParaRPr>
@@ -5070,7 +6142,7 @@
         </p:nvSpPr>
         <p:spPr bwMode="auto">
           <a:xfrm flipH="0" flipV="0">
-            <a:off x="905847" y="838197"/>
+            <a:off x="905846" y="838197"/>
             <a:ext cx="9653210" cy="823319"/>
           </a:xfrm>
           <a:prstGeom prst="rect">
@@ -5089,7 +6161,7 @@
             <a:r>
               <a:rPr sz="4800" b="0" i="0" u="none">
                 <a:solidFill>
-                  <a:srgbClr val="1F1F1F"/>
+                  <a:schemeClr val="tx1"/>
                 </a:solidFill>
                 <a:latin typeface="Lohit Tamil Classical"/>
                 <a:ea typeface="Lohit Tamil Classical"/>
@@ -5098,6 +6170,9 @@
               <a:t>Регрессионное моделирование</a:t>
             </a:r>
             <a:endParaRPr sz="4800">
+              <a:solidFill>
+                <a:schemeClr val="tx1"/>
+              </a:solidFill>
               <a:latin typeface="Lohit Tamil Classical"/>
               <a:cs typeface="Lohit Tamil Classical"/>
             </a:endParaRPr>
@@ -5112,8 +6187,8 @@
         </p:nvSpPr>
         <p:spPr bwMode="auto">
           <a:xfrm flipH="0" flipV="0">
-            <a:off x="905847" y="2158183"/>
-            <a:ext cx="9864524" cy="3176375"/>
+            <a:off x="905845" y="2158182"/>
+            <a:ext cx="9870642" cy="3176349"/>
           </a:xfrm>
           <a:prstGeom prst="rect">
             <a:avLst/>
@@ -5135,13 +6210,41 @@
             </a:pPr>
             <a:r>
               <a:rPr sz="2200">
-                <a:latin typeface="Lohit Tamil Classical"/>
-                <a:ea typeface="Lohit Tamil Classical"/>
-                <a:cs typeface="Lohit Tamil Classical"/>
-              </a:rPr>
-              <a:t>Обучили модель, используя те факторы, которые больше всего влияют на долю опасного газа</a:t>
+                <a:solidFill>
+                  <a:schemeClr val="tx1"/>
+                </a:solidFill>
+                <a:latin typeface="Lohit Tamil Classical"/>
+                <a:ea typeface="Lohit Tamil Classical"/>
+                <a:cs typeface="Lohit Tamil Classical"/>
+              </a:rPr>
+              <a:t>Обучили модель, используя те факторы, которые больше всего влияют на</a:t>
+            </a:r>
+            <a:r>
+              <a:rPr lang="ru-RU" sz="2200" b="0" i="0" u="none" strike="noStrike" cap="none" spc="0">
+                <a:solidFill>
+                  <a:schemeClr val="tx1"/>
+                </a:solidFill>
+                <a:latin typeface="Lohit Tamil Classical"/>
+                <a:ea typeface="Lohit Tamil Classical"/>
+                <a:cs typeface="Lohit Tamil Classical"/>
+              </a:rPr>
+              <a:t> </a:t>
+            </a:r>
+            <a:r>
+              <a:rPr sz="2200">
+                <a:solidFill>
+                  <a:schemeClr val="tx1"/>
+                </a:solidFill>
+                <a:latin typeface="Lohit Tamil Classical"/>
+                <a:ea typeface="Lohit Tamil Classical"/>
+                <a:cs typeface="Lohit Tamil Classical"/>
+              </a:rPr>
+              <a:t>долю опасного газа</a:t>
             </a:r>
             <a:endParaRPr sz="2200">
+              <a:solidFill>
+                <a:schemeClr val="tx1"/>
+              </a:solidFill>
               <a:latin typeface="Lohit Tamil Classical"/>
               <a:ea typeface="Lohit Tamil Classical"/>
               <a:cs typeface="Lohit Tamil Classical"/>
@@ -5158,13 +6261,107 @@
             </a:pPr>
             <a:r>
               <a:rPr sz="2200">
-                <a:latin typeface="Lohit Tamil Classical"/>
-                <a:ea typeface="Lohit Tamil Classical"/>
-                <a:cs typeface="Lohit Tamil Classical"/>
-              </a:rPr>
-              <a:t>Оценили модель на метриках R2 и MAPE. Они равны соответственно 0.09 и 0.25</a:t>
+                <a:solidFill>
+                  <a:schemeClr val="tx1"/>
+                </a:solidFill>
+                <a:latin typeface="Lohit Tamil Classical"/>
+                <a:ea typeface="Lohit Tamil Classical"/>
+                <a:cs typeface="Lohit Tamil Classical"/>
+              </a:rPr>
+              <a:t>Оценили модель на метриках R2</a:t>
+            </a:r>
+            <a:r>
+              <a:rPr lang="ru-RU" sz="2200" b="0" i="0" u="none" strike="noStrike" cap="none" spc="0">
+                <a:solidFill>
+                  <a:schemeClr val="tx1"/>
+                </a:solidFill>
+                <a:latin typeface="Lohit Tamil Classical"/>
+                <a:ea typeface="Lohit Tamil Classical"/>
+                <a:cs typeface="Lohit Tamil Classical"/>
+              </a:rPr>
+              <a:t> </a:t>
+            </a:r>
+            <a:r>
+              <a:rPr sz="2200">
+                <a:solidFill>
+                  <a:schemeClr val="tx1"/>
+                </a:solidFill>
+                <a:latin typeface="Lohit Tamil Classical"/>
+                <a:ea typeface="Lohit Tamil Classical"/>
+                <a:cs typeface="Lohit Tamil Classical"/>
+              </a:rPr>
+              <a:t>и</a:t>
+            </a:r>
+            <a:r>
+              <a:rPr lang="ru-RU" sz="2200" b="0" i="0" u="none" strike="noStrike" cap="none" spc="0">
+                <a:solidFill>
+                  <a:schemeClr val="tx1"/>
+                </a:solidFill>
+                <a:latin typeface="Lohit Tamil Classical"/>
+                <a:ea typeface="Lohit Tamil Classical"/>
+                <a:cs typeface="Lohit Tamil Classical"/>
+              </a:rPr>
+              <a:t> </a:t>
+            </a:r>
+            <a:r>
+              <a:rPr sz="2200">
+                <a:solidFill>
+                  <a:schemeClr val="tx1"/>
+                </a:solidFill>
+                <a:latin typeface="Lohit Tamil Classical"/>
+                <a:ea typeface="Lohit Tamil Classical"/>
+                <a:cs typeface="Lohit Tamil Classical"/>
+              </a:rPr>
+              <a:t>MAPE. Они равны соответственно 0.09</a:t>
+            </a:r>
+            <a:r>
+              <a:rPr lang="ru-RU" sz="2200" b="0" i="0" u="none" strike="noStrike" cap="none" spc="0">
+                <a:solidFill>
+                  <a:schemeClr val="tx1"/>
+                </a:solidFill>
+                <a:latin typeface="Lohit Tamil Classical"/>
+                <a:ea typeface="Lohit Tamil Classical"/>
+                <a:cs typeface="Lohit Tamil Classical"/>
+              </a:rPr>
+              <a:t> </a:t>
+            </a:r>
+            <a:r>
+              <a:rPr sz="2200">
+                <a:solidFill>
+                  <a:schemeClr val="tx1"/>
+                </a:solidFill>
+                <a:latin typeface="Lohit Tamil Classical"/>
+                <a:ea typeface="Lohit Tamil Classical"/>
+                <a:cs typeface="Lohit Tamil Classical"/>
+              </a:rPr>
+              <a:t>и</a:t>
+            </a:r>
+            <a:r>
+              <a:rPr lang="ru-RU" sz="2200" b="0" i="0" u="none" strike="noStrike" cap="none" spc="0">
+                <a:solidFill>
+                  <a:schemeClr val="tx1"/>
+                </a:solidFill>
+                <a:latin typeface="Lohit Tamil Classical"/>
+                <a:ea typeface="Lohit Tamil Classical"/>
+                <a:cs typeface="Lohit Tamil Classical"/>
+              </a:rPr>
+              <a:t> </a:t>
+            </a:r>
+            <a:r>
+              <a:rPr sz="2200">
+                <a:solidFill>
+                  <a:schemeClr val="tx1"/>
+                </a:solidFill>
+                <a:latin typeface="Lohit Tamil Classical"/>
+                <a:ea typeface="Lohit Tamil Classical"/>
+                <a:cs typeface="Lohit Tamil Classical"/>
+              </a:rPr>
+              <a:t>0.25</a:t>
             </a:r>
             <a:endParaRPr sz="2200">
+              <a:solidFill>
+                <a:schemeClr val="tx1"/>
+              </a:solidFill>
               <a:latin typeface="Lohit Tamil Classical"/>
               <a:ea typeface="Lohit Tamil Classical"/>
               <a:cs typeface="Lohit Tamil Classical"/>
@@ -5181,13 +6378,85 @@
             </a:pPr>
             <a:r>
               <a:rPr sz="2200">
-                <a:latin typeface="Lohit Tamil Classical"/>
-                <a:ea typeface="Lohit Tamil Classical"/>
-                <a:cs typeface="Lohit Tamil Classical"/>
-              </a:rPr>
-              <a:t>Вывод: модель не может с необходимой точностью предсказать долю вредного газа, для улучшения её качества требуется больше данных, описывающих параметры, которые могут влиять на предсказываемые значения</a:t>
+                <a:solidFill>
+                  <a:schemeClr val="tx1"/>
+                </a:solidFill>
+                <a:latin typeface="Lohit Tamil Classical"/>
+                <a:ea typeface="Lohit Tamil Classical"/>
+                <a:cs typeface="Lohit Tamil Classical"/>
+              </a:rPr>
+              <a:t>Вывод: модель не может с необходимой точностью предсказать долю вредного газа, для</a:t>
+            </a:r>
+            <a:r>
+              <a:rPr lang="ru-RU" sz="2200" b="0" i="0" u="none" strike="noStrike" cap="none" spc="0">
+                <a:solidFill>
+                  <a:schemeClr val="tx1"/>
+                </a:solidFill>
+                <a:latin typeface="Lohit Tamil Classical"/>
+                <a:ea typeface="Lohit Tamil Classical"/>
+                <a:cs typeface="Lohit Tamil Classical"/>
+              </a:rPr>
+              <a:t> </a:t>
+            </a:r>
+            <a:r>
+              <a:rPr sz="2200">
+                <a:solidFill>
+                  <a:schemeClr val="tx1"/>
+                </a:solidFill>
+                <a:latin typeface="Lohit Tamil Classical"/>
+                <a:ea typeface="Lohit Tamil Classical"/>
+                <a:cs typeface="Lohit Tamil Classical"/>
+              </a:rPr>
+              <a:t>улучшения её</a:t>
+            </a:r>
+            <a:r>
+              <a:rPr lang="ru-RU" sz="2200" b="0" i="0" u="none" strike="noStrike" cap="none" spc="0">
+                <a:solidFill>
+                  <a:schemeClr val="tx1"/>
+                </a:solidFill>
+                <a:latin typeface="Lohit Tamil Classical"/>
+                <a:ea typeface="Lohit Tamil Classical"/>
+                <a:cs typeface="Lohit Tamil Classical"/>
+              </a:rPr>
+              <a:t> </a:t>
+            </a:r>
+            <a:r>
+              <a:rPr sz="2200">
+                <a:solidFill>
+                  <a:schemeClr val="tx1"/>
+                </a:solidFill>
+                <a:latin typeface="Lohit Tamil Classical"/>
+                <a:ea typeface="Lohit Tamil Classical"/>
+                <a:cs typeface="Lohit Tamil Classical"/>
+              </a:rPr>
+              <a:t>качества требуется больше данных, описывающих параметры, которые могут влиять на</a:t>
+            </a:r>
+            <a:r>
+              <a:rPr lang="ru-RU" sz="2200" b="0" i="0" u="none" strike="noStrike" cap="none" spc="0">
+                <a:solidFill>
+                  <a:schemeClr val="tx1"/>
+                </a:solidFill>
+                <a:latin typeface="Lohit Tamil Classical"/>
+                <a:ea typeface="Lohit Tamil Classical"/>
+                <a:cs typeface="Lohit Tamil Classical"/>
+              </a:rPr>
+              <a:t> </a:t>
+            </a:r>
+            <a:r>
+              <a:rPr sz="2200">
+                <a:solidFill>
+                  <a:schemeClr val="tx1"/>
+                </a:solidFill>
+                <a:latin typeface="Lohit Tamil Classical"/>
+                <a:ea typeface="Lohit Tamil Classical"/>
+                <a:cs typeface="Lohit Tamil Classical"/>
+              </a:rPr>
+              <a:t>предсказываемые значения</a:t>
             </a:r>
             <a:endParaRPr sz="2200">
+              <a:solidFill>
+                <a:schemeClr val="tx1"/>
+              </a:solidFill>
               <a:latin typeface="Lohit Tamil Classical"/>
               <a:cs typeface="Lohit Tamil Classical"/>
             </a:endParaRPr>
@@ -5253,7 +6522,7 @@
         </p:nvSpPr>
         <p:spPr bwMode="auto">
           <a:xfrm flipH="0" flipV="0">
-            <a:off x="905847" y="838197"/>
+            <a:off x="905846" y="838197"/>
             <a:ext cx="6106046" cy="823319"/>
           </a:xfrm>
           <a:prstGeom prst="rect">
@@ -5271,6 +6540,9 @@
             </a:pPr>
             <a:r>
               <a:rPr sz="4800">
+                <a:solidFill>
+                  <a:schemeClr val="tx1"/>
+                </a:solidFill>
                 <a:latin typeface="Lohit Tamil Classical"/>
                 <a:ea typeface="Lohit Tamil Classical"/>
                 <a:cs typeface="Lohit Tamil Classical"/>
@@ -5278,6 +6550,9 @@
               <a:t>Ссылка на дашборд</a:t>
             </a:r>
             <a:endParaRPr sz="4800">
+              <a:solidFill>
+                <a:schemeClr val="tx1"/>
+              </a:solidFill>
               <a:latin typeface="Lohit Tamil Classical"/>
               <a:cs typeface="Lohit Tamil Classical"/>
             </a:endParaRPr>
@@ -5292,8 +6567,8 @@
         </p:nvSpPr>
         <p:spPr bwMode="auto">
           <a:xfrm flipH="0" flipV="0">
-            <a:off x="905847" y="2158183"/>
-            <a:ext cx="9865964" cy="427079"/>
+            <a:off x="905846" y="2158182"/>
+            <a:ext cx="9866323" cy="427079"/>
           </a:xfrm>
           <a:prstGeom prst="rect">
             <a:avLst/>
@@ -5311,7 +6586,7 @@
             <a:r>
               <a:rPr sz="2200" u="sng">
                 <a:solidFill>
-                  <a:schemeClr val="hlink"/>
+                  <a:schemeClr val="tx1"/>
                 </a:solidFill>
                 <a:latin typeface="Lohit Tamil Classical"/>
                 <a:ea typeface="Lohit Tamil Classical"/>
@@ -5321,6 +6596,9 @@
               <a:t>https://datalens.yandex/4el0ofqoxksgq</a:t>
             </a:r>
             <a:endParaRPr sz="2200">
+              <a:solidFill>
+                <a:schemeClr val="tx1"/>
+              </a:solidFill>
               <a:latin typeface="Lohit Tamil Classical"/>
               <a:cs typeface="Lohit Tamil Classical"/>
             </a:endParaRPr>
